--- a/presentations/pi_20_oct_2022/presentations/ppt/Mojaloop TigerBeetle PI-20 Meeting Oct-2022.pptx
+++ b/presentations/pi_20_oct_2022/presentations/ppt/Mojaloop TigerBeetle PI-20 Meeting Oct-2022.pptx
@@ -260,7 +260,7 @@
   </p:defaultTextStyle>
   <p:extLst>
     <p:ext uri="http://customooxmlschemas.google.com/">
-      <go:slidesCustomData xmlns:go="http://customooxmlschemas.google.com/" r:id="rId19" roundtripDataSignature="AMtx7mifmoHO6CkjHq/0eDy+mU18TBlvoQ=="/>
+      <go:slidesCustomData xmlns:go="http://customooxmlschemas.google.com/" r:id="rId19" roundtripDataSignature="AMtx7mh71mdtIxTEnTvu5hvVpeIWRcACdA=="/>
     </p:ext>
   </p:extLst>
 </p:presentation>
@@ -4982,7 +4982,7 @@
   <p:cSld>
     <p:spTree>
       <p:nvGrpSpPr>
-        <p:cNvPr id="178" name="Shape 178"/>
+        <p:cNvPr id="176" name="Shape 176"/>
         <p:cNvGrpSpPr/>
         <p:nvPr/>
       </p:nvGrpSpPr>
@@ -4996,7 +4996,7 @@
       </p:grpSpPr>
       <p:sp>
         <p:nvSpPr>
-          <p:cNvPr id="179" name="Google Shape;179;g11b47a05fda_0_206:notes"/>
+          <p:cNvPr id="177" name="Google Shape;177;g11b47a05fda_0_206:notes"/>
           <p:cNvSpPr txBox="1"/>
           <p:nvPr>
             <p:ph idx="1" type="body"/>
@@ -5620,7 +5620,7 @@
       </p:sp>
       <p:sp>
         <p:nvSpPr>
-          <p:cNvPr id="180" name="Google Shape;180;g11b47a05fda_0_206:notes"/>
+          <p:cNvPr id="178" name="Google Shape;178;g11b47a05fda_0_206:notes"/>
           <p:cNvSpPr/>
           <p:nvPr>
             <p:ph idx="2" type="sldImg"/>
@@ -5676,7 +5676,7 @@
   <p:cSld>
     <p:spTree>
       <p:nvGrpSpPr>
-        <p:cNvPr id="188" name="Shape 188"/>
+        <p:cNvPr id="186" name="Shape 186"/>
         <p:cNvGrpSpPr/>
         <p:nvPr/>
       </p:nvGrpSpPr>
@@ -5690,7 +5690,7 @@
       </p:grpSpPr>
       <p:sp>
         <p:nvSpPr>
-          <p:cNvPr id="189" name="Google Shape;189;g15e8571c311_0_32:notes"/>
+          <p:cNvPr id="187" name="Google Shape;187;g15e8571c311_0_32:notes"/>
           <p:cNvSpPr txBox="1"/>
           <p:nvPr>
             <p:ph idx="1" type="body"/>
@@ -5742,7 +5742,7 @@
       </p:sp>
       <p:sp>
         <p:nvSpPr>
-          <p:cNvPr id="190" name="Google Shape;190;g15e8571c311_0_32:notes"/>
+          <p:cNvPr id="188" name="Google Shape;188;g15e8571c311_0_32:notes"/>
           <p:cNvSpPr/>
           <p:nvPr>
             <p:ph idx="2" type="sldImg"/>
@@ -5798,7 +5798,7 @@
   <p:cSld>
     <p:spTree>
       <p:nvGrpSpPr>
-        <p:cNvPr id="196" name="Shape 196"/>
+        <p:cNvPr id="194" name="Shape 194"/>
         <p:cNvGrpSpPr/>
         <p:nvPr/>
       </p:nvGrpSpPr>
@@ -5812,7 +5812,7 @@
       </p:grpSpPr>
       <p:sp>
         <p:nvSpPr>
-          <p:cNvPr id="197" name="Google Shape;197;g10ec991da93_0_394:notes"/>
+          <p:cNvPr id="195" name="Google Shape;195;g10ec991da93_0_394:notes"/>
           <p:cNvSpPr/>
           <p:nvPr>
             <p:ph idx="2" type="sldImg"/>
@@ -5857,7 +5857,7 @@
       </p:sp>
       <p:sp>
         <p:nvSpPr>
-          <p:cNvPr id="198" name="Google Shape;198;g10ec991da93_0_394:notes"/>
+          <p:cNvPr id="196" name="Google Shape;196;g10ec991da93_0_394:notes"/>
           <p:cNvSpPr txBox="1"/>
           <p:nvPr>
             <p:ph idx="1" type="body"/>
@@ -5904,7 +5904,7 @@
       </p:sp>
       <p:sp>
         <p:nvSpPr>
-          <p:cNvPr id="199" name="Google Shape;199;g10ec991da93_0_394:notes"/>
+          <p:cNvPr id="197" name="Google Shape;197;g10ec991da93_0_394:notes"/>
           <p:cNvSpPr txBox="1"/>
           <p:nvPr>
             <p:ph idx="12" type="sldNum"/>
@@ -17953,7 +17953,7 @@
             <a:tbl>
               <a:tblPr>
                 <a:noFill/>
-                <a:tableStyleId>{39F3DFC3-6B0C-46B2-AC97-3EF0FBF2F4AC}</a:tableStyleId>
+                <a:tableStyleId>{2870685A-EDB4-46FC-89DC-BEC747A4B20B}</a:tableStyleId>
               </a:tblPr>
               <a:tblGrid>
                 <a:gridCol w="2325775"/>
@@ -19366,8 +19366,14 @@
             <a:avLst/>
           </a:prstGeom>
           <a:noFill/>
-          <a:ln>
-            <a:noFill/>
+          <a:ln cap="flat" cmpd="sng" w="9525">
+            <a:solidFill>
+              <a:srgbClr val="A3338D"/>
+            </a:solidFill>
+            <a:prstDash val="solid"/>
+            <a:round/>
+            <a:headEnd len="sm" w="sm" type="none"/>
+            <a:tailEnd len="sm" w="sm" type="none"/>
           </a:ln>
         </p:spPr>
         <p:txBody>
@@ -19601,8 +19607,14 @@
             <a:avLst/>
           </a:prstGeom>
           <a:noFill/>
-          <a:ln>
-            <a:noFill/>
+          <a:ln cap="flat" cmpd="sng" w="9525">
+            <a:solidFill>
+              <a:schemeClr val="accent3"/>
+            </a:solidFill>
+            <a:prstDash val="solid"/>
+            <a:round/>
+            <a:headEnd len="sm" w="sm" type="none"/>
+            <a:tailEnd len="sm" w="sm" type="none"/>
           </a:ln>
         </p:spPr>
         <p:txBody>
@@ -19826,51 +19838,6 @@
         </p:nvSpPr>
         <p:spPr>
           <a:xfrm>
-            <a:off x="9244882" y="7620447"/>
-            <a:ext cx="176700" cy="153600"/>
-          </a:xfrm>
-          <a:prstGeom prst="triangle">
-            <a:avLst>
-              <a:gd fmla="val 50000" name="adj"/>
-            </a:avLst>
-          </a:prstGeom>
-          <a:solidFill>
-            <a:srgbClr val="FF00FF"/>
-          </a:solidFill>
-          <a:ln>
-            <a:noFill/>
-          </a:ln>
-        </p:spPr>
-        <p:txBody>
-          <a:bodyPr anchorCtr="0" anchor="ctr" bIns="243800" lIns="243800" spcFirstLastPara="1" rIns="243800" wrap="square" tIns="243800">
-            <a:noAutofit/>
-          </a:bodyPr>
-          <a:lstStyle/>
-          <a:p>
-            <a:pPr indent="0" lvl="0" marL="0" rtl="0" algn="l">
-              <a:spcBef>
-                <a:spcPts val="0"/>
-              </a:spcBef>
-              <a:spcAft>
-                <a:spcPts val="0"/>
-              </a:spcAft>
-              <a:buNone/>
-            </a:pPr>
-            <a:r>
-              <a:t/>
-            </a:r>
-            <a:endParaRPr/>
-          </a:p>
-        </p:txBody>
-      </p:sp>
-      <p:sp>
-        <p:nvSpPr>
-          <p:cNvPr id="150" name="Google Shape;150;g15e8571c311_0_21"/>
-          <p:cNvSpPr/>
-          <p:nvPr/>
-        </p:nvSpPr>
-        <p:spPr>
-          <a:xfrm>
             <a:off x="5127616" y="7015890"/>
             <a:ext cx="4087500" cy="552900"/>
           </a:xfrm>
@@ -19900,7 +19867,7 @@
               <a:buNone/>
             </a:pPr>
             <a:r>
-              <a:rPr lang="en-US" sz="1500">
+              <a:rPr lang="en-US" sz="1700">
                 <a:solidFill>
                   <a:srgbClr val="FFFFFF"/>
                 </a:solidFill>
@@ -19912,7 +19879,7 @@
               <a:t>Cleared transfers allocated  to a </a:t>
             </a:r>
             <a:r>
-              <a:rPr b="1" lang="en-US" sz="1500">
+              <a:rPr b="1" lang="en-US" sz="1700">
                 <a:solidFill>
                   <a:srgbClr val="FFFFFF"/>
                 </a:solidFill>
@@ -19923,7 +19890,7 @@
               </a:rPr>
               <a:t>settlementWindow</a:t>
             </a:r>
-            <a:endParaRPr b="1" sz="1500">
+            <a:endParaRPr b="1" sz="1700">
               <a:solidFill>
                 <a:srgbClr val="FFFFFF"/>
               </a:solidFill>
@@ -19937,7 +19904,7 @@
       </p:sp>
       <p:sp>
         <p:nvSpPr>
-          <p:cNvPr id="151" name="Google Shape;151;g15e8571c311_0_21"/>
+          <p:cNvPr id="150" name="Google Shape;150;g15e8571c311_0_21"/>
           <p:cNvSpPr/>
           <p:nvPr/>
         </p:nvSpPr>
@@ -19982,7 +19949,7 @@
       </p:sp>
       <p:sp>
         <p:nvSpPr>
-          <p:cNvPr id="152" name="Google Shape;152;g15e8571c311_0_21"/>
+          <p:cNvPr id="151" name="Google Shape;151;g15e8571c311_0_21"/>
           <p:cNvSpPr/>
           <p:nvPr/>
         </p:nvSpPr>
@@ -19997,7 +19964,7 @@
           <a:noFill/>
           <a:ln cap="flat" cmpd="sng" w="9525">
             <a:solidFill>
-              <a:schemeClr val="accent5"/>
+              <a:srgbClr val="45818E"/>
             </a:solidFill>
             <a:prstDash val="solid"/>
             <a:round/>
@@ -20029,7 +19996,7 @@
       </p:sp>
       <p:sp>
         <p:nvSpPr>
-          <p:cNvPr id="153" name="Google Shape;153;g15e8571c311_0_21"/>
+          <p:cNvPr id="152" name="Google Shape;152;g15e8571c311_0_21"/>
           <p:cNvSpPr/>
           <p:nvPr/>
         </p:nvSpPr>
@@ -20042,7 +20009,7 @@
             <a:avLst/>
           </a:prstGeom>
           <a:solidFill>
-            <a:schemeClr val="accent5"/>
+            <a:srgbClr val="45818E"/>
           </a:solidFill>
           <a:ln>
             <a:noFill/>
@@ -20072,7 +20039,7 @@
       </p:sp>
       <p:sp>
         <p:nvSpPr>
-          <p:cNvPr id="154" name="Google Shape;154;g15e8571c311_0_21"/>
+          <p:cNvPr id="153" name="Google Shape;153;g15e8571c311_0_21"/>
           <p:cNvSpPr txBox="1"/>
           <p:nvPr/>
         </p:nvSpPr>
@@ -20085,8 +20052,14 @@
             <a:avLst/>
           </a:prstGeom>
           <a:noFill/>
-          <a:ln>
-            <a:noFill/>
+          <a:ln cap="flat" cmpd="sng" w="9525">
+            <a:solidFill>
+              <a:srgbClr val="45818E"/>
+            </a:solidFill>
+            <a:prstDash val="solid"/>
+            <a:round/>
+            <a:headEnd len="sm" w="sm" type="none"/>
+            <a:tailEnd len="sm" w="sm" type="none"/>
           </a:ln>
         </p:spPr>
         <p:txBody>
@@ -20107,7 +20080,7 @@
             <a:r>
               <a:rPr b="1" lang="en-US" sz="3000">
                 <a:solidFill>
-                  <a:schemeClr val="accent5"/>
+                  <a:srgbClr val="45818E"/>
                 </a:solidFill>
                 <a:latin typeface="Roboto"/>
                 <a:ea typeface="Roboto"/>
@@ -20118,7 +20091,7 @@
             </a:r>
             <a:endParaRPr b="1" sz="3000">
               <a:solidFill>
-                <a:schemeClr val="accent5"/>
+                <a:srgbClr val="45818E"/>
               </a:solidFill>
               <a:latin typeface="Roboto"/>
               <a:ea typeface="Roboto"/>
@@ -20130,7 +20103,7 @@
       </p:sp>
       <p:cxnSp>
         <p:nvCxnSpPr>
-          <p:cNvPr id="155" name="Google Shape;155;g15e8571c311_0_21"/>
+          <p:cNvPr id="154" name="Google Shape;154;g15e8571c311_0_21"/>
           <p:cNvCxnSpPr/>
           <p:nvPr/>
         </p:nvCxnSpPr>
@@ -20156,7 +20129,7 @@
       </p:cxnSp>
       <p:cxnSp>
         <p:nvCxnSpPr>
-          <p:cNvPr id="156" name="Google Shape;156;g15e8571c311_0_21"/>
+          <p:cNvPr id="155" name="Google Shape;155;g15e8571c311_0_21"/>
           <p:cNvCxnSpPr/>
           <p:nvPr/>
         </p:nvCxnSpPr>
@@ -20182,7 +20155,7 @@
       </p:cxnSp>
       <p:cxnSp>
         <p:nvCxnSpPr>
-          <p:cNvPr id="157" name="Google Shape;157;g15e8571c311_0_21"/>
+          <p:cNvPr id="156" name="Google Shape;156;g15e8571c311_0_21"/>
           <p:cNvCxnSpPr/>
           <p:nvPr/>
         </p:nvCxnSpPr>
@@ -20208,7 +20181,7 @@
       </p:cxnSp>
       <p:sp>
         <p:nvSpPr>
-          <p:cNvPr id="158" name="Google Shape;158;g15e8571c311_0_21"/>
+          <p:cNvPr id="157" name="Google Shape;157;g15e8571c311_0_21"/>
           <p:cNvSpPr/>
           <p:nvPr/>
         </p:nvSpPr>
@@ -20221,7 +20194,7 @@
             <a:avLst/>
           </a:prstGeom>
           <a:solidFill>
-            <a:schemeClr val="accent5"/>
+            <a:srgbClr val="45818E"/>
           </a:solidFill>
           <a:ln>
             <a:noFill/>
@@ -20243,7 +20216,7 @@
               <a:buNone/>
             </a:pPr>
             <a:r>
-              <a:rPr lang="en-US">
+              <a:rPr lang="en-US" sz="1700">
                 <a:solidFill>
                   <a:srgbClr val="FFFFFF"/>
                 </a:solidFill>
@@ -20252,9 +20225,9 @@
                 <a:cs typeface="Roboto"/>
                 <a:sym typeface="Roboto"/>
               </a:rPr>
-              <a:t>Infra Setup</a:t>
-            </a:r>
-            <a:endParaRPr>
+              <a:t>Setup</a:t>
+            </a:r>
+            <a:endParaRPr sz="1700">
               <a:solidFill>
                 <a:srgbClr val="FFFFFF"/>
               </a:solidFill>
@@ -20268,7 +20241,7 @@
       </p:sp>
       <p:sp>
         <p:nvSpPr>
-          <p:cNvPr id="159" name="Google Shape;159;g15e8571c311_0_21"/>
+          <p:cNvPr id="158" name="Google Shape;158;g15e8571c311_0_21"/>
           <p:cNvSpPr/>
           <p:nvPr/>
         </p:nvSpPr>
@@ -20281,7 +20254,7 @@
             <a:avLst/>
           </a:prstGeom>
           <a:solidFill>
-            <a:schemeClr val="accent5"/>
+            <a:srgbClr val="45818E"/>
           </a:solidFill>
           <a:ln>
             <a:noFill/>
@@ -20303,7 +20276,7 @@
               <a:buNone/>
             </a:pPr>
             <a:r>
-              <a:rPr lang="en-US">
+              <a:rPr lang="en-US" sz="1700">
                 <a:solidFill>
                   <a:srgbClr val="FFFFFF"/>
                 </a:solidFill>
@@ -20312,9 +20285,9 @@
                 <a:cs typeface="Roboto"/>
                 <a:sym typeface="Roboto"/>
               </a:rPr>
-              <a:t>Configure</a:t>
-            </a:r>
-            <a:endParaRPr>
+              <a:t>Config</a:t>
+            </a:r>
+            <a:endParaRPr sz="1700">
               <a:solidFill>
                 <a:srgbClr val="FFFFFF"/>
               </a:solidFill>
@@ -20328,7 +20301,7 @@
       </p:sp>
       <p:sp>
         <p:nvSpPr>
-          <p:cNvPr id="160" name="Google Shape;160;g15e8571c311_0_21"/>
+          <p:cNvPr id="159" name="Google Shape;159;g15e8571c311_0_21"/>
           <p:cNvSpPr/>
           <p:nvPr/>
         </p:nvSpPr>
@@ -20341,7 +20314,7 @@
             <a:avLst/>
           </a:prstGeom>
           <a:solidFill>
-            <a:schemeClr val="accent5"/>
+            <a:srgbClr val="45818E"/>
           </a:solidFill>
           <a:ln>
             <a:noFill/>
@@ -20363,7 +20336,7 @@
               <a:buNone/>
             </a:pPr>
             <a:r>
-              <a:rPr lang="en-US">
+              <a:rPr lang="en-US" sz="1700">
                 <a:solidFill>
                   <a:srgbClr val="FFFFFF"/>
                 </a:solidFill>
@@ -20374,7 +20347,7 @@
               </a:rPr>
               <a:t>Test Data</a:t>
             </a:r>
-            <a:endParaRPr>
+            <a:endParaRPr sz="1700">
               <a:solidFill>
                 <a:srgbClr val="FFFFFF"/>
               </a:solidFill>
@@ -20388,7 +20361,7 @@
       </p:sp>
       <p:sp>
         <p:nvSpPr>
-          <p:cNvPr id="161" name="Google Shape;161;g15e8571c311_0_21"/>
+          <p:cNvPr id="160" name="Google Shape;160;g15e8571c311_0_21"/>
           <p:cNvSpPr/>
           <p:nvPr/>
         </p:nvSpPr>
@@ -20423,7 +20396,7 @@
               <a:buNone/>
             </a:pPr>
             <a:r>
-              <a:rPr lang="en-US" sz="1500" u="sng">
+              <a:rPr lang="en-US" sz="1700" u="sng">
                 <a:solidFill>
                   <a:srgbClr val="FFFFFF"/>
                 </a:solidFill>
@@ -20435,7 +20408,7 @@
               <a:t>Trigger</a:t>
             </a:r>
             <a:r>
-              <a:rPr lang="en-US" sz="1500">
+              <a:rPr lang="en-US" sz="1700">
                 <a:solidFill>
                   <a:srgbClr val="FFFFFF"/>
                 </a:solidFill>
@@ -20447,7 +20420,7 @@
               <a:t> - Create </a:t>
             </a:r>
             <a:r>
-              <a:rPr b="1" lang="en-US" sz="1500">
+              <a:rPr b="1" lang="en-US" sz="1700">
                 <a:solidFill>
                   <a:srgbClr val="FFFFFF"/>
                 </a:solidFill>
@@ -20458,7 +20431,7 @@
               </a:rPr>
               <a:t>accounts</a:t>
             </a:r>
-            <a:endParaRPr b="1" sz="1500">
+            <a:endParaRPr b="1" sz="1700">
               <a:solidFill>
                 <a:srgbClr val="FFFFFF"/>
               </a:solidFill>
@@ -20472,7 +20445,7 @@
       </p:sp>
       <p:cxnSp>
         <p:nvCxnSpPr>
-          <p:cNvPr id="162" name="Google Shape;162;g15e8571c311_0_21"/>
+          <p:cNvPr id="161" name="Google Shape;161;g15e8571c311_0_21"/>
           <p:cNvCxnSpPr/>
           <p:nvPr/>
         </p:nvCxnSpPr>
@@ -20498,7 +20471,7 @@
       </p:cxnSp>
       <p:cxnSp>
         <p:nvCxnSpPr>
-          <p:cNvPr id="163" name="Google Shape;163;g15e8571c311_0_21"/>
+          <p:cNvPr id="162" name="Google Shape;162;g15e8571c311_0_21"/>
           <p:cNvCxnSpPr/>
           <p:nvPr/>
         </p:nvCxnSpPr>
@@ -20524,7 +20497,7 @@
       </p:cxnSp>
       <p:cxnSp>
         <p:nvCxnSpPr>
-          <p:cNvPr id="164" name="Google Shape;164;g15e8571c311_0_21"/>
+          <p:cNvPr id="163" name="Google Shape;163;g15e8571c311_0_21"/>
           <p:cNvCxnSpPr/>
           <p:nvPr/>
         </p:nvCxnSpPr>
@@ -20550,7 +20523,7 @@
       </p:cxnSp>
       <p:cxnSp>
         <p:nvCxnSpPr>
-          <p:cNvPr id="165" name="Google Shape;165;g15e8571c311_0_21"/>
+          <p:cNvPr id="164" name="Google Shape;164;g15e8571c311_0_21"/>
           <p:cNvCxnSpPr/>
           <p:nvPr/>
         </p:nvCxnSpPr>
@@ -20576,7 +20549,7 @@
       </p:cxnSp>
       <p:cxnSp>
         <p:nvCxnSpPr>
-          <p:cNvPr id="166" name="Google Shape;166;g15e8571c311_0_21"/>
+          <p:cNvPr id="165" name="Google Shape;165;g15e8571c311_0_21"/>
           <p:cNvCxnSpPr/>
           <p:nvPr/>
         </p:nvCxnSpPr>
@@ -20602,7 +20575,7 @@
       </p:cxnSp>
       <p:cxnSp>
         <p:nvCxnSpPr>
-          <p:cNvPr id="167" name="Google Shape;167;g15e8571c311_0_21"/>
+          <p:cNvPr id="166" name="Google Shape;166;g15e8571c311_0_21"/>
           <p:cNvCxnSpPr/>
           <p:nvPr/>
         </p:nvCxnSpPr>
@@ -20628,7 +20601,7 @@
       </p:cxnSp>
       <p:sp>
         <p:nvSpPr>
-          <p:cNvPr id="168" name="Google Shape;168;g15e8571c311_0_21"/>
+          <p:cNvPr id="167" name="Google Shape;167;g15e8571c311_0_21"/>
           <p:cNvSpPr/>
           <p:nvPr/>
         </p:nvSpPr>
@@ -20663,7 +20636,7 @@
               <a:buNone/>
             </a:pPr>
             <a:r>
-              <a:rPr lang="en-US" sz="1500" u="sng">
+              <a:rPr lang="en-US" sz="1700" u="sng">
                 <a:solidFill>
                   <a:srgbClr val="FFFFFF"/>
                 </a:solidFill>
@@ -20675,7 +20648,7 @@
               <a:t>Prepare</a:t>
             </a:r>
             <a:r>
-              <a:rPr lang="en-US" sz="1500">
+              <a:rPr lang="en-US" sz="1700">
                 <a:solidFill>
                   <a:srgbClr val="FFFFFF"/>
                 </a:solidFill>
@@ -20687,7 +20660,7 @@
               <a:t> </a:t>
             </a:r>
             <a:r>
-              <a:rPr lang="en-US" sz="1500">
+              <a:rPr lang="en-US" sz="1700">
                 <a:solidFill>
                   <a:srgbClr val="FFFFFF"/>
                 </a:solidFill>
@@ -20699,7 +20672,7 @@
               <a:t>- Create settlement </a:t>
             </a:r>
             <a:r>
-              <a:rPr b="1" lang="en-US" sz="1500">
+              <a:rPr b="1" lang="en-US" sz="1700">
                 <a:solidFill>
                   <a:srgbClr val="FFFFFF"/>
                 </a:solidFill>
@@ -20710,7 +20683,7 @@
               </a:rPr>
               <a:t>obligations</a:t>
             </a:r>
-            <a:endParaRPr b="1" sz="1500">
+            <a:endParaRPr b="1" sz="1700">
               <a:solidFill>
                 <a:srgbClr val="FFFFFF"/>
               </a:solidFill>
@@ -20724,7 +20697,7 @@
       </p:sp>
       <p:sp>
         <p:nvSpPr>
-          <p:cNvPr id="169" name="Google Shape;169;g15e8571c311_0_21"/>
+          <p:cNvPr id="168" name="Google Shape;168;g15e8571c311_0_21"/>
           <p:cNvSpPr/>
           <p:nvPr/>
         </p:nvSpPr>
@@ -20759,7 +20732,7 @@
               <a:buNone/>
             </a:pPr>
             <a:r>
-              <a:rPr lang="en-US" sz="1500" u="sng">
+              <a:rPr lang="en-US" sz="1700" u="sng">
                 <a:solidFill>
                   <a:srgbClr val="FFFFFF"/>
                 </a:solidFill>
@@ -20771,7 +20744,7 @@
               <a:t>Reserve</a:t>
             </a:r>
             <a:r>
-              <a:rPr lang="en-US" sz="1500">
+              <a:rPr lang="en-US" sz="1700">
                 <a:solidFill>
                   <a:srgbClr val="FFFFFF"/>
                 </a:solidFill>
@@ -20783,7 +20756,7 @@
               <a:t> </a:t>
             </a:r>
             <a:r>
-              <a:rPr lang="en-US" sz="1500">
+              <a:rPr lang="en-US" sz="1700">
                 <a:solidFill>
                   <a:srgbClr val="FFFFFF"/>
                 </a:solidFill>
@@ -20795,7 +20768,7 @@
               <a:t>- </a:t>
             </a:r>
             <a:r>
-              <a:rPr b="1" lang="en-US" sz="1500">
+              <a:rPr b="1" lang="en-US" sz="1700">
                 <a:solidFill>
                   <a:srgbClr val="FFFFFF"/>
                 </a:solidFill>
@@ -20807,7 +20780,7 @@
               <a:t>PAYEE</a:t>
             </a:r>
             <a:r>
-              <a:rPr lang="en-US" sz="1500">
+              <a:rPr lang="en-US" sz="1700">
                 <a:solidFill>
                   <a:srgbClr val="FFFFFF"/>
                 </a:solidFill>
@@ -20819,7 +20792,7 @@
               <a:t> fulfils</a:t>
             </a:r>
             <a:r>
-              <a:rPr b="1" lang="en-US" sz="1500">
+              <a:rPr b="1" lang="en-US" sz="1700">
                 <a:solidFill>
                   <a:srgbClr val="FFFFFF"/>
                 </a:solidFill>
@@ -20831,7 +20804,7 @@
               <a:t> </a:t>
             </a:r>
             <a:r>
-              <a:rPr lang="en-US" sz="1500">
+              <a:rPr lang="en-US" sz="1700">
                 <a:solidFill>
                   <a:srgbClr val="FFFFFF"/>
                 </a:solidFill>
@@ -20842,7 +20815,7 @@
               </a:rPr>
               <a:t>obligation</a:t>
             </a:r>
-            <a:endParaRPr sz="1500">
+            <a:endParaRPr sz="1700">
               <a:solidFill>
                 <a:srgbClr val="FFFFFF"/>
               </a:solidFill>
@@ -20856,7 +20829,7 @@
       </p:sp>
       <p:sp>
         <p:nvSpPr>
-          <p:cNvPr id="170" name="Google Shape;170;g15e8571c311_0_21"/>
+          <p:cNvPr id="169" name="Google Shape;169;g15e8571c311_0_21"/>
           <p:cNvSpPr/>
           <p:nvPr/>
         </p:nvSpPr>
@@ -20891,7 +20864,7 @@
               <a:buNone/>
             </a:pPr>
             <a:r>
-              <a:rPr lang="en-US" sz="1500" u="sng">
+              <a:rPr lang="en-US" sz="1700" u="sng">
                 <a:solidFill>
                   <a:srgbClr val="FFFFFF"/>
                 </a:solidFill>
@@ -20903,7 +20876,7 @@
               <a:t>Commit</a:t>
             </a:r>
             <a:r>
-              <a:rPr lang="en-US" sz="1500">
+              <a:rPr lang="en-US" sz="1700">
                 <a:solidFill>
                   <a:srgbClr val="FFFFFF"/>
                 </a:solidFill>
@@ -20915,7 +20888,7 @@
               <a:t> </a:t>
             </a:r>
             <a:r>
-              <a:rPr lang="en-US" sz="1500">
+              <a:rPr lang="en-US" sz="1700">
                 <a:solidFill>
                   <a:srgbClr val="FFFFFF"/>
                 </a:solidFill>
@@ -20927,7 +20900,7 @@
               <a:t>- </a:t>
             </a:r>
             <a:r>
-              <a:rPr b="1" lang="en-US" sz="1500">
+              <a:rPr b="1" lang="en-US" sz="1700">
                 <a:solidFill>
                   <a:srgbClr val="FFFFFF"/>
                 </a:solidFill>
@@ -20939,7 +20912,7 @@
               <a:t>PAYER</a:t>
             </a:r>
             <a:r>
-              <a:rPr lang="en-US" sz="1500">
+              <a:rPr lang="en-US" sz="1700">
                 <a:solidFill>
                   <a:srgbClr val="FFFFFF"/>
                 </a:solidFill>
@@ -20950,7 +20923,7 @@
               </a:rPr>
               <a:t> fulfils obligation</a:t>
             </a:r>
-            <a:endParaRPr sz="1500">
+            <a:endParaRPr sz="1700">
               <a:solidFill>
                 <a:srgbClr val="FFFFFF"/>
               </a:solidFill>
@@ -20964,14 +20937,14 @@
       </p:sp>
       <p:sp>
         <p:nvSpPr>
-          <p:cNvPr id="171" name="Google Shape;171;g15e8571c311_0_21"/>
+          <p:cNvPr id="170" name="Google Shape;170;g15e8571c311_0_21"/>
           <p:cNvSpPr txBox="1"/>
           <p:nvPr/>
         </p:nvSpPr>
         <p:spPr>
           <a:xfrm>
-            <a:off x="11511825" y="6597650"/>
-            <a:ext cx="867000" cy="431100"/>
+            <a:off x="11511825" y="6521450"/>
+            <a:ext cx="2219700" cy="554100"/>
           </a:xfrm>
           <a:prstGeom prst="rect">
             <a:avLst/>
@@ -20987,65 +20960,56 @@
           </a:bodyPr>
           <a:lstStyle/>
           <a:p>
-            <a:pPr indent="0" lvl="0" marL="0" rtl="0" algn="ctr">
-              <a:spcBef>
-                <a:spcPts val="0"/>
-              </a:spcBef>
-              <a:spcAft>
-                <a:spcPts val="0"/>
-              </a:spcAft>
-              <a:buNone/>
-            </a:pPr>
-            <a:r>
-              <a:rPr b="1" i="1" lang="en-US" sz="800">
+            <a:pPr indent="0" lvl="0" marL="0" rtl="0" algn="l">
+              <a:spcBef>
+                <a:spcPts val="0"/>
+              </a:spcBef>
+              <a:spcAft>
+                <a:spcPts val="0"/>
+              </a:spcAft>
+              <a:buNone/>
+            </a:pPr>
+            <a:r>
+              <a:rPr b="1" i="1" lang="en-US" sz="1200">
                 <a:solidFill>
                   <a:schemeClr val="dk1"/>
                 </a:solidFill>
               </a:rPr>
-              <a:t>PENDING_</a:t>
-            </a:r>
-            <a:endParaRPr b="1" i="1" sz="800">
+              <a:t>PENDING</a:t>
+            </a:r>
+            <a:br>
+              <a:rPr b="1" i="1" lang="en-US" sz="1200">
+                <a:solidFill>
+                  <a:schemeClr val="dk1"/>
+                </a:solidFill>
+              </a:rPr>
+            </a:br>
+            <a:r>
+              <a:rPr b="1" i="1" lang="en-US" sz="1200">
+                <a:solidFill>
+                  <a:schemeClr val="dk1"/>
+                </a:solidFill>
+              </a:rPr>
+              <a:t>_SETTLEMENT</a:t>
+            </a:r>
+            <a:endParaRPr b="1" i="1" sz="1200">
               <a:solidFill>
                 <a:schemeClr val="dk1"/>
               </a:solidFill>
             </a:endParaRPr>
           </a:p>
-          <a:p>
-            <a:pPr indent="0" lvl="0" marL="0" rtl="0" algn="ctr">
-              <a:spcBef>
-                <a:spcPts val="0"/>
-              </a:spcBef>
-              <a:spcAft>
-                <a:spcPts val="0"/>
-              </a:spcAft>
-              <a:buNone/>
-            </a:pPr>
-            <a:r>
-              <a:rPr b="1" i="1" lang="en-US" sz="800">
-                <a:solidFill>
-                  <a:schemeClr val="dk1"/>
-                </a:solidFill>
-              </a:rPr>
-              <a:t>SETTLEMENT</a:t>
-            </a:r>
-            <a:endParaRPr b="1" i="1" sz="800">
-              <a:solidFill>
-                <a:schemeClr val="dk1"/>
-              </a:solidFill>
-            </a:endParaRPr>
-          </a:p>
         </p:txBody>
       </p:sp>
       <p:sp>
         <p:nvSpPr>
-          <p:cNvPr id="172" name="Google Shape;172;g15e8571c311_0_21"/>
+          <p:cNvPr id="171" name="Google Shape;171;g15e8571c311_0_21"/>
           <p:cNvSpPr txBox="1"/>
           <p:nvPr/>
         </p:nvSpPr>
         <p:spPr>
           <a:xfrm>
-            <a:off x="14241888" y="7150550"/>
-            <a:ext cx="867000" cy="431100"/>
+            <a:off x="14381275" y="7074350"/>
+            <a:ext cx="1197000" cy="554100"/>
           </a:xfrm>
           <a:prstGeom prst="rect">
             <a:avLst/>
@@ -21061,24 +21025,24 @@
           </a:bodyPr>
           <a:lstStyle/>
           <a:p>
-            <a:pPr indent="0" lvl="0" marL="0" rtl="0" algn="ctr">
-              <a:spcBef>
-                <a:spcPts val="0"/>
-              </a:spcBef>
-              <a:spcAft>
-                <a:spcPts val="0"/>
-              </a:spcAft>
-              <a:buNone/>
-            </a:pPr>
-            <a:r>
-              <a:rPr b="1" i="1" lang="en-US" sz="800">
+            <a:pPr indent="0" lvl="0" marL="0" rtl="0" algn="l">
+              <a:spcBef>
+                <a:spcPts val="0"/>
+              </a:spcBef>
+              <a:spcAft>
+                <a:spcPts val="0"/>
+              </a:spcAft>
+              <a:buNone/>
+            </a:pPr>
+            <a:r>
+              <a:rPr b="1" i="1" lang="en-US" sz="1200">
                 <a:solidFill>
                   <a:schemeClr val="dk1"/>
                 </a:solidFill>
               </a:rPr>
               <a:t>TRANSFERS_RECORDED</a:t>
             </a:r>
-            <a:endParaRPr b="1" i="1" sz="800">
+            <a:endParaRPr b="1" i="1" sz="1200">
               <a:solidFill>
                 <a:schemeClr val="dk1"/>
               </a:solidFill>
@@ -21088,14 +21052,14 @@
       </p:sp>
       <p:sp>
         <p:nvSpPr>
-          <p:cNvPr id="173" name="Google Shape;173;g15e8571c311_0_21"/>
+          <p:cNvPr id="172" name="Google Shape;172;g15e8571c311_0_21"/>
           <p:cNvSpPr txBox="1"/>
           <p:nvPr/>
         </p:nvSpPr>
         <p:spPr>
           <a:xfrm>
-            <a:off x="16971963" y="7723375"/>
-            <a:ext cx="867000" cy="431100"/>
+            <a:off x="17250771" y="7647175"/>
+            <a:ext cx="1197000" cy="554100"/>
           </a:xfrm>
           <a:prstGeom prst="rect">
             <a:avLst/>
@@ -21111,33 +21075,33 @@
           </a:bodyPr>
           <a:lstStyle/>
           <a:p>
-            <a:pPr indent="0" lvl="0" marL="0" rtl="0" algn="ctr">
-              <a:spcBef>
-                <a:spcPts val="0"/>
-              </a:spcBef>
-              <a:spcAft>
-                <a:spcPts val="0"/>
-              </a:spcAft>
-              <a:buNone/>
-            </a:pPr>
-            <a:r>
-              <a:rPr b="1" i="1" lang="en-US" sz="800"/>
+            <a:pPr indent="0" lvl="0" marL="0" rtl="0" algn="l">
+              <a:spcBef>
+                <a:spcPts val="0"/>
+              </a:spcBef>
+              <a:spcAft>
+                <a:spcPts val="0"/>
+              </a:spcAft>
+              <a:buNone/>
+            </a:pPr>
+            <a:r>
+              <a:rPr b="1" i="1" lang="en-US" sz="1200"/>
               <a:t>TRANSFERS_RESERVED</a:t>
             </a:r>
-            <a:endParaRPr b="1" i="1" sz="800"/>
+            <a:endParaRPr b="1" i="1" sz="1200"/>
           </a:p>
         </p:txBody>
       </p:sp>
       <p:sp>
         <p:nvSpPr>
-          <p:cNvPr id="174" name="Google Shape;174;g15e8571c311_0_21"/>
+          <p:cNvPr id="173" name="Google Shape;173;g15e8571c311_0_21"/>
           <p:cNvSpPr txBox="1"/>
           <p:nvPr/>
         </p:nvSpPr>
         <p:spPr>
           <a:xfrm>
-            <a:off x="19695813" y="8276275"/>
-            <a:ext cx="867000" cy="431100"/>
+            <a:off x="20113649" y="8200075"/>
+            <a:ext cx="1197000" cy="554100"/>
           </a:xfrm>
           <a:prstGeom prst="rect">
             <a:avLst/>
@@ -21153,24 +21117,24 @@
           </a:bodyPr>
           <a:lstStyle/>
           <a:p>
-            <a:pPr indent="0" lvl="0" marL="0" rtl="0" algn="ctr">
-              <a:spcBef>
-                <a:spcPts val="0"/>
-              </a:spcBef>
-              <a:spcAft>
-                <a:spcPts val="0"/>
-              </a:spcAft>
-              <a:buNone/>
-            </a:pPr>
-            <a:r>
-              <a:rPr b="1" i="1" lang="en-US" sz="800">
+            <a:pPr indent="0" lvl="0" marL="0" rtl="0" algn="l">
+              <a:spcBef>
+                <a:spcPts val="0"/>
+              </a:spcBef>
+              <a:spcAft>
+                <a:spcPts val="0"/>
+              </a:spcAft>
+              <a:buNone/>
+            </a:pPr>
+            <a:r>
+              <a:rPr b="1" i="1" lang="en-US" sz="1200">
                 <a:solidFill>
                   <a:schemeClr val="dk1"/>
                 </a:solidFill>
               </a:rPr>
               <a:t>TRANSFERS_COMMITTED</a:t>
             </a:r>
-            <a:endParaRPr b="1" i="1" sz="800">
+            <a:endParaRPr b="1" i="1" sz="1200">
               <a:solidFill>
                 <a:schemeClr val="dk1"/>
               </a:solidFill>
@@ -21180,14 +21144,14 @@
       </p:sp>
       <p:sp>
         <p:nvSpPr>
-          <p:cNvPr id="175" name="Google Shape;175;g15e8571c311_0_21"/>
+          <p:cNvPr id="174" name="Google Shape;174;g15e8571c311_0_21"/>
           <p:cNvSpPr txBox="1"/>
           <p:nvPr/>
         </p:nvSpPr>
         <p:spPr>
           <a:xfrm>
-            <a:off x="22145075" y="9800275"/>
-            <a:ext cx="867000" cy="307800"/>
+            <a:off x="21971075" y="8885875"/>
+            <a:ext cx="1041000" cy="369300"/>
           </a:xfrm>
           <a:prstGeom prst="rect">
             <a:avLst/>
@@ -21213,14 +21177,14 @@
               <a:buNone/>
             </a:pPr>
             <a:r>
-              <a:rPr i="1" lang="en-US" sz="800">
+              <a:rPr b="1" i="1" lang="en-US" sz="1200">
                 <a:solidFill>
                   <a:schemeClr val="accent3"/>
                 </a:solidFill>
               </a:rPr>
               <a:t>SETTLED</a:t>
             </a:r>
-            <a:endParaRPr i="1" sz="800">
+            <a:endParaRPr b="1" i="1" sz="1200">
               <a:solidFill>
                 <a:schemeClr val="accent3"/>
               </a:solidFill>
@@ -21230,7 +21194,7 @@
       </p:sp>
       <p:sp>
         <p:nvSpPr>
-          <p:cNvPr id="176" name="Google Shape;176;g15e8571c311_0_21"/>
+          <p:cNvPr id="175" name="Google Shape;175;g15e8571c311_0_21"/>
           <p:cNvSpPr/>
           <p:nvPr/>
         </p:nvSpPr>
@@ -21269,7 +21233,7 @@
               <a:buNone/>
             </a:pPr>
             <a:r>
-              <a:rPr i="1" lang="en-US" sz="1300">
+              <a:rPr i="1" lang="en-US" sz="1700">
                 <a:solidFill>
                   <a:schemeClr val="accent3"/>
                 </a:solidFill>
@@ -21278,10 +21242,10 @@
                 <a:cs typeface="Roboto"/>
                 <a:sym typeface="Roboto"/>
               </a:rPr>
-              <a:t>Validate - transfers </a:t>
-            </a:r>
-            <a:r>
-              <a:rPr i="1" lang="en-US" sz="1300">
+              <a:t>Transfers committed &amp; sttl </a:t>
+            </a:r>
+            <a:r>
+              <a:rPr i="1" lang="en-US" sz="1700">
                 <a:solidFill>
                   <a:schemeClr val="accent3"/>
                 </a:solidFill>
@@ -21290,10 +21254,10 @@
                 <a:cs typeface="Roboto"/>
                 <a:sym typeface="Roboto"/>
               </a:rPr>
-              <a:t>committed &amp;</a:t>
-            </a:r>
-            <a:r>
-              <a:rPr i="1" lang="en-US" sz="1300">
+              <a:t> </a:t>
+            </a:r>
+            <a:r>
+              <a:rPr i="1" lang="en-US" sz="1700">
                 <a:solidFill>
                   <a:schemeClr val="accent3"/>
                 </a:solidFill>
@@ -21302,9 +21266,9 @@
                 <a:cs typeface="Roboto"/>
                 <a:sym typeface="Roboto"/>
               </a:rPr>
-              <a:t> settlement windows closed</a:t>
-            </a:r>
-            <a:endParaRPr i="1" sz="1300">
+              <a:t>windows closed</a:t>
+            </a:r>
+            <a:endParaRPr i="1" sz="1700">
               <a:solidFill>
                 <a:schemeClr val="accent3"/>
               </a:solidFill>
@@ -21313,51 +21277,6 @@
               <a:cs typeface="Roboto"/>
               <a:sym typeface="Roboto"/>
             </a:endParaRPr>
-          </a:p>
-        </p:txBody>
-      </p:sp>
-      <p:sp>
-        <p:nvSpPr>
-          <p:cNvPr id="177" name="Google Shape;177;g15e8571c311_0_21"/>
-          <p:cNvSpPr/>
-          <p:nvPr/>
-        </p:nvSpPr>
-        <p:spPr>
-          <a:xfrm>
-            <a:off x="11928357" y="8184197"/>
-            <a:ext cx="176700" cy="153600"/>
-          </a:xfrm>
-          <a:prstGeom prst="triangle">
-            <a:avLst>
-              <a:gd fmla="val 50000" name="adj"/>
-            </a:avLst>
-          </a:prstGeom>
-          <a:solidFill>
-            <a:srgbClr val="FF00FF"/>
-          </a:solidFill>
-          <a:ln>
-            <a:noFill/>
-          </a:ln>
-        </p:spPr>
-        <p:txBody>
-          <a:bodyPr anchorCtr="0" anchor="ctr" bIns="243800" lIns="243800" spcFirstLastPara="1" rIns="243800" wrap="square" tIns="243800">
-            <a:noAutofit/>
-          </a:bodyPr>
-          <a:lstStyle/>
-          <a:p>
-            <a:pPr indent="0" lvl="0" marL="0" rtl="0" algn="l">
-              <a:spcBef>
-                <a:spcPts val="0"/>
-              </a:spcBef>
-              <a:spcAft>
-                <a:spcPts val="0"/>
-              </a:spcAft>
-              <a:buNone/>
-            </a:pPr>
-            <a:r>
-              <a:t/>
-            </a:r>
-            <a:endParaRPr/>
           </a:p>
         </p:txBody>
       </p:sp>
@@ -21374,7 +21293,7 @@
   <p:cSld>
     <p:spTree>
       <p:nvGrpSpPr>
-        <p:cNvPr id="181" name="Shape 181"/>
+        <p:cNvPr id="179" name="Shape 179"/>
         <p:cNvGrpSpPr/>
         <p:nvPr/>
       </p:nvGrpSpPr>
@@ -21388,7 +21307,7 @@
       </p:grpSpPr>
       <p:sp>
         <p:nvSpPr>
-          <p:cNvPr id="182" name="Google Shape;182;g11b47a05fda_0_206"/>
+          <p:cNvPr id="180" name="Google Shape;180;g11b47a05fda_0_206"/>
           <p:cNvSpPr txBox="1"/>
           <p:nvPr>
             <p:ph type="title"/>
@@ -21440,7 +21359,7 @@
       </p:sp>
       <p:sp>
         <p:nvSpPr>
-          <p:cNvPr id="183" name="Google Shape;183;g11b47a05fda_0_206"/>
+          <p:cNvPr id="181" name="Google Shape;181;g11b47a05fda_0_206"/>
           <p:cNvSpPr txBox="1"/>
           <p:nvPr>
             <p:ph idx="12" type="sldNum"/>
@@ -21488,7 +21407,7 @@
       </p:sp>
       <p:sp>
         <p:nvSpPr>
-          <p:cNvPr id="184" name="Google Shape;184;g11b47a05fda_0_206"/>
+          <p:cNvPr id="182" name="Google Shape;182;g11b47a05fda_0_206"/>
           <p:cNvSpPr txBox="1"/>
           <p:nvPr>
             <p:ph idx="12" type="sldNum"/>
@@ -21536,7 +21455,7 @@
       </p:sp>
       <p:pic>
         <p:nvPicPr>
-          <p:cNvPr id="185" name="Google Shape;185;g11b47a05fda_0_206"/>
+          <p:cNvPr id="183" name="Google Shape;183;g11b47a05fda_0_206"/>
           <p:cNvPicPr preferRelativeResize="0"/>
           <p:nvPr/>
         </p:nvPicPr>
@@ -21564,7 +21483,7 @@
       </p:pic>
       <p:sp>
         <p:nvSpPr>
-          <p:cNvPr id="186" name="Google Shape;186;g11b47a05fda_0_206"/>
+          <p:cNvPr id="184" name="Google Shape;184;g11b47a05fda_0_206"/>
           <p:cNvSpPr txBox="1"/>
           <p:nvPr/>
         </p:nvSpPr>
@@ -21611,7 +21530,7 @@
       </p:sp>
       <p:pic>
         <p:nvPicPr>
-          <p:cNvPr id="187" name="Google Shape;187;g11b47a05fda_0_206" title="FullScreenRecord Take 04.mov">
+          <p:cNvPr id="185" name="Google Shape;185;g11b47a05fda_0_206" title="FullScreenRecord Take 04.mov">
             <a:hlinkClick r:id="rId5"/>
           </p:cNvPr>
           <p:cNvPicPr preferRelativeResize="0"/>
@@ -21678,7 +21597,7 @@
                                           </p:stCondLst>
                                         </p:cTn>
                                         <p:tgtEl>
-                                          <p:spTgt spid="187"/>
+                                          <p:spTgt spid="185"/>
                                         </p:tgtEl>
                                         <p:attrNameLst>
                                           <p:attrName>style.visibility</p:attrName>
@@ -21692,7 +21611,7 @@
                                       <p:cBhvr>
                                         <p:cTn dur="1000"/>
                                         <p:tgtEl>
-                                          <p:spTgt spid="187"/>
+                                          <p:spTgt spid="185"/>
                                         </p:tgtEl>
                                       </p:cBhvr>
                                     </p:animEffect>
@@ -21735,7 +21654,7 @@
   <p:cSld>
     <p:spTree>
       <p:nvGrpSpPr>
-        <p:cNvPr id="191" name="Shape 191"/>
+        <p:cNvPr id="189" name="Shape 189"/>
         <p:cNvGrpSpPr/>
         <p:nvPr/>
       </p:nvGrpSpPr>
@@ -21749,7 +21668,7 @@
       </p:grpSpPr>
       <p:sp>
         <p:nvSpPr>
-          <p:cNvPr id="192" name="Google Shape;192;g15e8571c311_0_32"/>
+          <p:cNvPr id="190" name="Google Shape;190;g15e8571c311_0_32"/>
           <p:cNvSpPr txBox="1"/>
           <p:nvPr>
             <p:ph type="title"/>
@@ -21801,7 +21720,7 @@
       </p:sp>
       <p:sp>
         <p:nvSpPr>
-          <p:cNvPr id="193" name="Google Shape;193;g15e8571c311_0_32"/>
+          <p:cNvPr id="191" name="Google Shape;191;g15e8571c311_0_32"/>
           <p:cNvSpPr txBox="1"/>
           <p:nvPr>
             <p:ph idx="12" type="sldNum"/>
@@ -21849,7 +21768,7 @@
       </p:sp>
       <p:sp>
         <p:nvSpPr>
-          <p:cNvPr id="194" name="Google Shape;194;g15e8571c311_0_32"/>
+          <p:cNvPr id="192" name="Google Shape;192;g15e8571c311_0_32"/>
           <p:cNvSpPr txBox="1"/>
           <p:nvPr>
             <p:ph idx="1" type="body"/>
@@ -22011,7 +21930,7 @@
       </p:sp>
       <p:sp>
         <p:nvSpPr>
-          <p:cNvPr id="195" name="Google Shape;195;g15e8571c311_0_32"/>
+          <p:cNvPr id="193" name="Google Shape;193;g15e8571c311_0_32"/>
           <p:cNvSpPr txBox="1"/>
           <p:nvPr>
             <p:ph idx="12" type="sldNum"/>
@@ -22070,7 +21989,7 @@
   <p:cSld>
     <p:spTree>
       <p:nvGrpSpPr>
-        <p:cNvPr id="200" name="Shape 200"/>
+        <p:cNvPr id="198" name="Shape 198"/>
         <p:cNvGrpSpPr/>
         <p:nvPr/>
       </p:nvGrpSpPr>
@@ -22084,7 +22003,7 @@
       </p:grpSpPr>
       <p:sp>
         <p:nvSpPr>
-          <p:cNvPr id="201" name="Google Shape;201;g10ec991da93_0_394"/>
+          <p:cNvPr id="199" name="Google Shape;199;g10ec991da93_0_394"/>
           <p:cNvSpPr txBox="1"/>
           <p:nvPr>
             <p:ph type="ctrTitle"/>
@@ -22132,7 +22051,7 @@
       </p:sp>
       <p:sp>
         <p:nvSpPr>
-          <p:cNvPr id="202" name="Google Shape;202;g10ec991da93_0_394"/>
+          <p:cNvPr id="200" name="Google Shape;200;g10ec991da93_0_394"/>
           <p:cNvSpPr txBox="1"/>
           <p:nvPr>
             <p:ph idx="12" type="sldNum"/>
@@ -22199,6 +22118,285 @@
 </file>
 
 <file path=ppt/theme/theme1.xml><?xml version="1.0" encoding="utf-8"?>
+<a:theme xmlns:a="http://schemas.openxmlformats.org/drawingml/2006/main" xmlns:r="http://schemas.openxmlformats.org/officeDocument/2006/relationships" name="Office Theme">
+  <a:themeElements>
+    <a:clrScheme name="Mojaloop">
+      <a:dk1>
+        <a:srgbClr val="000000"/>
+      </a:dk1>
+      <a:lt1>
+        <a:srgbClr val="FFFFFF"/>
+      </a:lt1>
+      <a:dk2>
+        <a:srgbClr val="44546A"/>
+      </a:dk2>
+      <a:lt2>
+        <a:srgbClr val="E7E6E6"/>
+      </a:lt2>
+      <a:accent1>
+        <a:srgbClr val="00A3FF"/>
+      </a:accent1>
+      <a:accent2>
+        <a:srgbClr val="FC440F"/>
+      </a:accent2>
+      <a:accent3>
+        <a:srgbClr val="0010BE"/>
+      </a:accent3>
+      <a:accent4>
+        <a:srgbClr val="FDE74C"/>
+      </a:accent4>
+      <a:accent5>
+        <a:srgbClr val="00DFB1"/>
+      </a:accent5>
+      <a:accent6>
+        <a:srgbClr val="BE0098"/>
+      </a:accent6>
+      <a:hlink>
+        <a:srgbClr val="0563C1"/>
+      </a:hlink>
+      <a:folHlink>
+        <a:srgbClr val="954F72"/>
+      </a:folHlink>
+    </a:clrScheme>
+    <a:fontScheme name="Office">
+      <a:majorFont>
+        <a:latin typeface="Arial"/>
+        <a:ea typeface=""/>
+        <a:cs typeface=""/>
+        <a:font script="Jpan" typeface="ＭＳ Ｐゴシック"/>
+        <a:font script="Hang" typeface="맑은 고딕"/>
+        <a:font script="Hans" typeface="宋体"/>
+        <a:font script="Hant" typeface="新細明體"/>
+        <a:font script="Arab" typeface="Times New Roman"/>
+        <a:font script="Hebr" typeface="Times New Roman"/>
+        <a:font script="Thai" typeface="Angsana New"/>
+        <a:font script="Ethi" typeface="Nyala"/>
+        <a:font script="Beng" typeface="Vrinda"/>
+        <a:font script="Gujr" typeface="Shruti"/>
+        <a:font script="Khmr" typeface="MoolBoran"/>
+        <a:font script="Knda" typeface="Tunga"/>
+        <a:font script="Guru" typeface="Raavi"/>
+        <a:font script="Cans" typeface="Euphemia"/>
+        <a:font script="Cher" typeface="Plantagenet Cherokee"/>
+        <a:font script="Yiii" typeface="Microsoft Yi Baiti"/>
+        <a:font script="Tibt" typeface="Microsoft Himalaya"/>
+        <a:font script="Thaa" typeface="MV Boli"/>
+        <a:font script="Deva" typeface="Mangal"/>
+        <a:font script="Telu" typeface="Gautami"/>
+        <a:font script="Taml" typeface="Latha"/>
+        <a:font script="Syrc" typeface="Estrangelo Edessa"/>
+        <a:font script="Orya" typeface="Kalinga"/>
+        <a:font script="Mlym" typeface="Kartika"/>
+        <a:font script="Laoo" typeface="DokChampa"/>
+        <a:font script="Sinh" typeface="Iskoola Pota"/>
+        <a:font script="Mong" typeface="Mongolian Baiti"/>
+        <a:font script="Viet" typeface="Times New Roman"/>
+        <a:font script="Uigh" typeface="Microsoft Uighur"/>
+        <a:font script="Geor" typeface="Sylfaen"/>
+      </a:majorFont>
+      <a:minorFont>
+        <a:latin typeface="Arial"/>
+        <a:ea typeface=""/>
+        <a:cs typeface=""/>
+        <a:font script="Jpan" typeface="ＭＳ Ｐゴシック"/>
+        <a:font script="Hang" typeface="맑은 고딕"/>
+        <a:font script="Hans" typeface="宋体"/>
+        <a:font script="Hant" typeface="新細明體"/>
+        <a:font script="Arab" typeface="Arial"/>
+        <a:font script="Hebr" typeface="Arial"/>
+        <a:font script="Thai" typeface="Cordia New"/>
+        <a:font script="Ethi" typeface="Nyala"/>
+        <a:font script="Beng" typeface="Vrinda"/>
+        <a:font script="Gujr" typeface="Shruti"/>
+        <a:font script="Khmr" typeface="DaunPenh"/>
+        <a:font script="Knda" typeface="Tunga"/>
+        <a:font script="Guru" typeface="Raavi"/>
+        <a:font script="Cans" typeface="Euphemia"/>
+        <a:font script="Cher" typeface="Plantagenet Cherokee"/>
+        <a:font script="Yiii" typeface="Microsoft Yi Baiti"/>
+        <a:font script="Tibt" typeface="Microsoft Himalaya"/>
+        <a:font script="Thaa" typeface="MV Boli"/>
+        <a:font script="Deva" typeface="Mangal"/>
+        <a:font script="Telu" typeface="Gautami"/>
+        <a:font script="Taml" typeface="Latha"/>
+        <a:font script="Syrc" typeface="Estrangelo Edessa"/>
+        <a:font script="Orya" typeface="Kalinga"/>
+        <a:font script="Mlym" typeface="Kartika"/>
+        <a:font script="Laoo" typeface="DokChampa"/>
+        <a:font script="Sinh" typeface="Iskoola Pota"/>
+        <a:font script="Mong" typeface="Mongolian Baiti"/>
+        <a:font script="Viet" typeface="Arial"/>
+        <a:font script="Uigh" typeface="Microsoft Uighur"/>
+        <a:font script="Geor" typeface="Sylfaen"/>
+      </a:minorFont>
+    </a:fontScheme>
+    <a:fmtScheme name="Office">
+      <a:fillStyleLst>
+        <a:solidFill>
+          <a:schemeClr val="phClr"/>
+        </a:solidFill>
+        <a:gradFill rotWithShape="1">
+          <a:gsLst>
+            <a:gs pos="0">
+              <a:schemeClr val="phClr">
+                <a:tint val="50000"/>
+                <a:satMod val="300000"/>
+              </a:schemeClr>
+            </a:gs>
+            <a:gs pos="35000">
+              <a:schemeClr val="phClr">
+                <a:tint val="37000"/>
+                <a:satMod val="300000"/>
+              </a:schemeClr>
+            </a:gs>
+            <a:gs pos="100000">
+              <a:schemeClr val="phClr">
+                <a:tint val="15000"/>
+                <a:satMod val="350000"/>
+              </a:schemeClr>
+            </a:gs>
+          </a:gsLst>
+          <a:lin ang="16200000" scaled="1"/>
+        </a:gradFill>
+        <a:gradFill rotWithShape="1">
+          <a:gsLst>
+            <a:gs pos="0">
+              <a:schemeClr val="phClr">
+                <a:tint val="100000"/>
+                <a:shade val="100000"/>
+                <a:satMod val="130000"/>
+              </a:schemeClr>
+            </a:gs>
+            <a:gs pos="100000">
+              <a:schemeClr val="phClr">
+                <a:tint val="50000"/>
+                <a:shade val="100000"/>
+                <a:satMod val="350000"/>
+              </a:schemeClr>
+            </a:gs>
+          </a:gsLst>
+          <a:lin ang="16200000" scaled="0"/>
+        </a:gradFill>
+      </a:fillStyleLst>
+      <a:lnStyleLst>
+        <a:ln w="9525" cap="flat" cmpd="sng" algn="ctr">
+          <a:solidFill>
+            <a:schemeClr val="phClr">
+              <a:shade val="95000"/>
+              <a:satMod val="105000"/>
+            </a:schemeClr>
+          </a:solidFill>
+          <a:prstDash val="solid"/>
+        </a:ln>
+        <a:ln w="25400" cap="flat" cmpd="sng" algn="ctr">
+          <a:solidFill>
+            <a:schemeClr val="phClr"/>
+          </a:solidFill>
+          <a:prstDash val="solid"/>
+        </a:ln>
+        <a:ln w="38100" cap="flat" cmpd="sng" algn="ctr">
+          <a:solidFill>
+            <a:schemeClr val="phClr"/>
+          </a:solidFill>
+          <a:prstDash val="solid"/>
+        </a:ln>
+      </a:lnStyleLst>
+      <a:effectStyleLst>
+        <a:effectStyle>
+          <a:effectLst>
+            <a:outerShdw blurRad="40000" dist="20000" dir="5400000" rotWithShape="0">
+              <a:srgbClr val="000000">
+                <a:alpha val="38000"/>
+              </a:srgbClr>
+            </a:outerShdw>
+          </a:effectLst>
+        </a:effectStyle>
+        <a:effectStyle>
+          <a:effectLst>
+            <a:outerShdw blurRad="40000" dist="23000" dir="5400000" rotWithShape="0">
+              <a:srgbClr val="000000">
+                <a:alpha val="35000"/>
+              </a:srgbClr>
+            </a:outerShdw>
+          </a:effectLst>
+        </a:effectStyle>
+        <a:effectStyle>
+          <a:effectLst>
+            <a:outerShdw blurRad="40000" dist="23000" dir="5400000" rotWithShape="0">
+              <a:srgbClr val="000000">
+                <a:alpha val="35000"/>
+              </a:srgbClr>
+            </a:outerShdw>
+          </a:effectLst>
+          <a:scene3d>
+            <a:camera prst="orthographicFront">
+              <a:rot lat="0" lon="0" rev="0"/>
+            </a:camera>
+            <a:lightRig rig="threePt" dir="t">
+              <a:rot lat="0" lon="0" rev="1200000"/>
+            </a:lightRig>
+          </a:scene3d>
+          <a:sp3d>
+            <a:bevelT w="63500" h="25400"/>
+          </a:sp3d>
+        </a:effectStyle>
+      </a:effectStyleLst>
+      <a:bgFillStyleLst>
+        <a:solidFill>
+          <a:schemeClr val="phClr"/>
+        </a:solidFill>
+        <a:gradFill rotWithShape="1">
+          <a:gsLst>
+            <a:gs pos="0">
+              <a:schemeClr val="phClr">
+                <a:tint val="40000"/>
+                <a:satMod val="350000"/>
+              </a:schemeClr>
+            </a:gs>
+            <a:gs pos="40000">
+              <a:schemeClr val="phClr">
+                <a:tint val="45000"/>
+                <a:shade val="99000"/>
+                <a:satMod val="350000"/>
+              </a:schemeClr>
+            </a:gs>
+            <a:gs pos="100000">
+              <a:schemeClr val="phClr">
+                <a:shade val="20000"/>
+                <a:satMod val="255000"/>
+              </a:schemeClr>
+            </a:gs>
+          </a:gsLst>
+          <a:path path="circle">
+            <a:fillToRect l="50000" t="-80000" r="50000" b="180000"/>
+          </a:path>
+        </a:gradFill>
+        <a:gradFill rotWithShape="1">
+          <a:gsLst>
+            <a:gs pos="0">
+              <a:schemeClr val="phClr">
+                <a:tint val="80000"/>
+                <a:satMod val="300000"/>
+              </a:schemeClr>
+            </a:gs>
+            <a:gs pos="100000">
+              <a:schemeClr val="phClr">
+                <a:shade val="30000"/>
+                <a:satMod val="200000"/>
+              </a:schemeClr>
+            </a:gs>
+          </a:gsLst>
+          <a:path path="circle">
+            <a:fillToRect l="50000" t="50000" r="50000" b="50000"/>
+          </a:path>
+        </a:gradFill>
+      </a:bgFillStyleLst>
+    </a:fmtScheme>
+  </a:themeElements>
+</a:theme>
+</file>
+
+<file path=ppt/theme/theme2.xml><?xml version="1.0" encoding="utf-8"?>
 <a:theme xmlns:a="http://schemas.openxmlformats.org/drawingml/2006/main" xmlns:r="http://schemas.openxmlformats.org/officeDocument/2006/relationships" name="Office Theme">
   <a:themeElements>
     <a:clrScheme name="Office">
@@ -22475,283 +22673,4 @@
     </a:fmtScheme>
   </a:themeElements>
 </a:theme>
-</file>
-
-<file path=ppt/theme/theme2.xml><?xml version="1.0" encoding="utf-8"?>
-<a:theme xmlns:a="http://schemas.openxmlformats.org/drawingml/2006/main" xmlns:r="http://schemas.openxmlformats.org/officeDocument/2006/relationships" name="Office Theme">
-  <a:themeElements>
-    <a:clrScheme name="Mojaloop">
-      <a:dk1>
-        <a:srgbClr val="000000"/>
-      </a:dk1>
-      <a:lt1>
-        <a:srgbClr val="FFFFFF"/>
-      </a:lt1>
-      <a:dk2>
-        <a:srgbClr val="44546A"/>
-      </a:dk2>
-      <a:lt2>
-        <a:srgbClr val="E7E6E6"/>
-      </a:lt2>
-      <a:accent1>
-        <a:srgbClr val="00A3FF"/>
-      </a:accent1>
-      <a:accent2>
-        <a:srgbClr val="FC440F"/>
-      </a:accent2>
-      <a:accent3>
-        <a:srgbClr val="0010BE"/>
-      </a:accent3>
-      <a:accent4>
-        <a:srgbClr val="FDE74C"/>
-      </a:accent4>
-      <a:accent5>
-        <a:srgbClr val="00DFB1"/>
-      </a:accent5>
-      <a:accent6>
-        <a:srgbClr val="BE0098"/>
-      </a:accent6>
-      <a:hlink>
-        <a:srgbClr val="0563C1"/>
-      </a:hlink>
-      <a:folHlink>
-        <a:srgbClr val="954F72"/>
-      </a:folHlink>
-    </a:clrScheme>
-    <a:fontScheme name="Office">
-      <a:majorFont>
-        <a:latin typeface="Arial"/>
-        <a:ea typeface=""/>
-        <a:cs typeface=""/>
-        <a:font script="Jpan" typeface="ＭＳ Ｐゴシック"/>
-        <a:font script="Hang" typeface="맑은 고딕"/>
-        <a:font script="Hans" typeface="宋体"/>
-        <a:font script="Hant" typeface="新細明體"/>
-        <a:font script="Arab" typeface="Times New Roman"/>
-        <a:font script="Hebr" typeface="Times New Roman"/>
-        <a:font script="Thai" typeface="Angsana New"/>
-        <a:font script="Ethi" typeface="Nyala"/>
-        <a:font script="Beng" typeface="Vrinda"/>
-        <a:font script="Gujr" typeface="Shruti"/>
-        <a:font script="Khmr" typeface="MoolBoran"/>
-        <a:font script="Knda" typeface="Tunga"/>
-        <a:font script="Guru" typeface="Raavi"/>
-        <a:font script="Cans" typeface="Euphemia"/>
-        <a:font script="Cher" typeface="Plantagenet Cherokee"/>
-        <a:font script="Yiii" typeface="Microsoft Yi Baiti"/>
-        <a:font script="Tibt" typeface="Microsoft Himalaya"/>
-        <a:font script="Thaa" typeface="MV Boli"/>
-        <a:font script="Deva" typeface="Mangal"/>
-        <a:font script="Telu" typeface="Gautami"/>
-        <a:font script="Taml" typeface="Latha"/>
-        <a:font script="Syrc" typeface="Estrangelo Edessa"/>
-        <a:font script="Orya" typeface="Kalinga"/>
-        <a:font script="Mlym" typeface="Kartika"/>
-        <a:font script="Laoo" typeface="DokChampa"/>
-        <a:font script="Sinh" typeface="Iskoola Pota"/>
-        <a:font script="Mong" typeface="Mongolian Baiti"/>
-        <a:font script="Viet" typeface="Times New Roman"/>
-        <a:font script="Uigh" typeface="Microsoft Uighur"/>
-        <a:font script="Geor" typeface="Sylfaen"/>
-      </a:majorFont>
-      <a:minorFont>
-        <a:latin typeface="Arial"/>
-        <a:ea typeface=""/>
-        <a:cs typeface=""/>
-        <a:font script="Jpan" typeface="ＭＳ Ｐゴシック"/>
-        <a:font script="Hang" typeface="맑은 고딕"/>
-        <a:font script="Hans" typeface="宋体"/>
-        <a:font script="Hant" typeface="新細明體"/>
-        <a:font script="Arab" typeface="Arial"/>
-        <a:font script="Hebr" typeface="Arial"/>
-        <a:font script="Thai" typeface="Cordia New"/>
-        <a:font script="Ethi" typeface="Nyala"/>
-        <a:font script="Beng" typeface="Vrinda"/>
-        <a:font script="Gujr" typeface="Shruti"/>
-        <a:font script="Khmr" typeface="DaunPenh"/>
-        <a:font script="Knda" typeface="Tunga"/>
-        <a:font script="Guru" typeface="Raavi"/>
-        <a:font script="Cans" typeface="Euphemia"/>
-        <a:font script="Cher" typeface="Plantagenet Cherokee"/>
-        <a:font script="Yiii" typeface="Microsoft Yi Baiti"/>
-        <a:font script="Tibt" typeface="Microsoft Himalaya"/>
-        <a:font script="Thaa" typeface="MV Boli"/>
-        <a:font script="Deva" typeface="Mangal"/>
-        <a:font script="Telu" typeface="Gautami"/>
-        <a:font script="Taml" typeface="Latha"/>
-        <a:font script="Syrc" typeface="Estrangelo Edessa"/>
-        <a:font script="Orya" typeface="Kalinga"/>
-        <a:font script="Mlym" typeface="Kartika"/>
-        <a:font script="Laoo" typeface="DokChampa"/>
-        <a:font script="Sinh" typeface="Iskoola Pota"/>
-        <a:font script="Mong" typeface="Mongolian Baiti"/>
-        <a:font script="Viet" typeface="Arial"/>
-        <a:font script="Uigh" typeface="Microsoft Uighur"/>
-        <a:font script="Geor" typeface="Sylfaen"/>
-      </a:minorFont>
-    </a:fontScheme>
-    <a:fmtScheme name="Office">
-      <a:fillStyleLst>
-        <a:solidFill>
-          <a:schemeClr val="phClr"/>
-        </a:solidFill>
-        <a:gradFill rotWithShape="1">
-          <a:gsLst>
-            <a:gs pos="0">
-              <a:schemeClr val="phClr">
-                <a:tint val="50000"/>
-                <a:satMod val="300000"/>
-              </a:schemeClr>
-            </a:gs>
-            <a:gs pos="35000">
-              <a:schemeClr val="phClr">
-                <a:tint val="37000"/>
-                <a:satMod val="300000"/>
-              </a:schemeClr>
-            </a:gs>
-            <a:gs pos="100000">
-              <a:schemeClr val="phClr">
-                <a:tint val="15000"/>
-                <a:satMod val="350000"/>
-              </a:schemeClr>
-            </a:gs>
-          </a:gsLst>
-          <a:lin ang="16200000" scaled="1"/>
-        </a:gradFill>
-        <a:gradFill rotWithShape="1">
-          <a:gsLst>
-            <a:gs pos="0">
-              <a:schemeClr val="phClr">
-                <a:tint val="100000"/>
-                <a:shade val="100000"/>
-                <a:satMod val="130000"/>
-              </a:schemeClr>
-            </a:gs>
-            <a:gs pos="100000">
-              <a:schemeClr val="phClr">
-                <a:tint val="50000"/>
-                <a:shade val="100000"/>
-                <a:satMod val="350000"/>
-              </a:schemeClr>
-            </a:gs>
-          </a:gsLst>
-          <a:lin ang="16200000" scaled="0"/>
-        </a:gradFill>
-      </a:fillStyleLst>
-      <a:lnStyleLst>
-        <a:ln w="9525" cap="flat" cmpd="sng" algn="ctr">
-          <a:solidFill>
-            <a:schemeClr val="phClr">
-              <a:shade val="95000"/>
-              <a:satMod val="105000"/>
-            </a:schemeClr>
-          </a:solidFill>
-          <a:prstDash val="solid"/>
-        </a:ln>
-        <a:ln w="25400" cap="flat" cmpd="sng" algn="ctr">
-          <a:solidFill>
-            <a:schemeClr val="phClr"/>
-          </a:solidFill>
-          <a:prstDash val="solid"/>
-        </a:ln>
-        <a:ln w="38100" cap="flat" cmpd="sng" algn="ctr">
-          <a:solidFill>
-            <a:schemeClr val="phClr"/>
-          </a:solidFill>
-          <a:prstDash val="solid"/>
-        </a:ln>
-      </a:lnStyleLst>
-      <a:effectStyleLst>
-        <a:effectStyle>
-          <a:effectLst>
-            <a:outerShdw blurRad="40000" dist="20000" dir="5400000" rotWithShape="0">
-              <a:srgbClr val="000000">
-                <a:alpha val="38000"/>
-              </a:srgbClr>
-            </a:outerShdw>
-          </a:effectLst>
-        </a:effectStyle>
-        <a:effectStyle>
-          <a:effectLst>
-            <a:outerShdw blurRad="40000" dist="23000" dir="5400000" rotWithShape="0">
-              <a:srgbClr val="000000">
-                <a:alpha val="35000"/>
-              </a:srgbClr>
-            </a:outerShdw>
-          </a:effectLst>
-        </a:effectStyle>
-        <a:effectStyle>
-          <a:effectLst>
-            <a:outerShdw blurRad="40000" dist="23000" dir="5400000" rotWithShape="0">
-              <a:srgbClr val="000000">
-                <a:alpha val="35000"/>
-              </a:srgbClr>
-            </a:outerShdw>
-          </a:effectLst>
-          <a:scene3d>
-            <a:camera prst="orthographicFront">
-              <a:rot lat="0" lon="0" rev="0"/>
-            </a:camera>
-            <a:lightRig rig="threePt" dir="t">
-              <a:rot lat="0" lon="0" rev="1200000"/>
-            </a:lightRig>
-          </a:scene3d>
-          <a:sp3d>
-            <a:bevelT w="63500" h="25400"/>
-          </a:sp3d>
-        </a:effectStyle>
-      </a:effectStyleLst>
-      <a:bgFillStyleLst>
-        <a:solidFill>
-          <a:schemeClr val="phClr"/>
-        </a:solidFill>
-        <a:gradFill rotWithShape="1">
-          <a:gsLst>
-            <a:gs pos="0">
-              <a:schemeClr val="phClr">
-                <a:tint val="40000"/>
-                <a:satMod val="350000"/>
-              </a:schemeClr>
-            </a:gs>
-            <a:gs pos="40000">
-              <a:schemeClr val="phClr">
-                <a:tint val="45000"/>
-                <a:shade val="99000"/>
-                <a:satMod val="350000"/>
-              </a:schemeClr>
-            </a:gs>
-            <a:gs pos="100000">
-              <a:schemeClr val="phClr">
-                <a:shade val="20000"/>
-                <a:satMod val="255000"/>
-              </a:schemeClr>
-            </a:gs>
-          </a:gsLst>
-          <a:path path="circle">
-            <a:fillToRect l="50000" t="-80000" r="50000" b="180000"/>
-          </a:path>
-        </a:gradFill>
-        <a:gradFill rotWithShape="1">
-          <a:gsLst>
-            <a:gs pos="0">
-              <a:schemeClr val="phClr">
-                <a:tint val="80000"/>
-                <a:satMod val="300000"/>
-              </a:schemeClr>
-            </a:gs>
-            <a:gs pos="100000">
-              <a:schemeClr val="phClr">
-                <a:shade val="30000"/>
-                <a:satMod val="200000"/>
-              </a:schemeClr>
-            </a:gs>
-          </a:gsLst>
-          <a:path path="circle">
-            <a:fillToRect l="50000" t="50000" r="50000" b="50000"/>
-          </a:path>
-        </a:gradFill>
-      </a:bgFillStyleLst>
-    </a:fmtScheme>
-  </a:themeElements>
-</a:theme>
 </file>
--- a/presentations/pi_20_oct_2022/presentations/ppt/Mojaloop TigerBeetle PI-20 Meeting Oct-2022.pptx
+++ b/presentations/pi_20_oct_2022/presentations/ppt/Mojaloop TigerBeetle PI-20 Meeting Oct-2022.pptx
@@ -266,8 +266,11 @@
     </a:lvl9pPr>
   </p:defaultTextStyle>
   <p:extLst>
+    <p:ext uri="{EFAFB233-063F-42B5-8137-9DF3F51BA10A}">
+      <p15:sldGuideLst xmlns:p15="http://schemas.microsoft.com/office/powerpoint/2012/main"/>
+    </p:ext>
     <p:ext uri="http://customooxmlschemas.google.com/">
-      <go:slidesCustomData xmlns:go="http://customooxmlschemas.google.com/" xmlns:ahyp="http://schemas.microsoft.com/office/drawing/2018/hyperlinkcolor" xmlns:p15="http://schemas.microsoft.com/office/powerpoint/2012/main" xmlns:p14="http://schemas.microsoft.com/office/powerpoint/2010/main" xmlns:com="http://schemas.openxmlformats.org/drawingml/2006/compatibility" xmlns:pvml="urn:schemas-microsoft-com:office:powerpoint" xmlns:v="urn:schemas-microsoft-com:vml" xmlns:o="urn:schemas-microsoft-com:office:office" xmlns:dgm="http://schemas.openxmlformats.org/drawingml/2006/diagram" xmlns:c="http://schemas.openxmlformats.org/drawingml/2006/chart" xmlns:mv="urn:schemas-microsoft-com:mac:vml" xmlns:mc="http://schemas.openxmlformats.org/markup-compatibility/2006" xmlns="" r:id="rId20" roundtripDataSignature="AMtx7mh71mdtIxTEnTvu5hvVpeIWRcACdA=="/>
+      <go:slidesCustomData xmlns="" xmlns:mc="http://schemas.openxmlformats.org/markup-compatibility/2006" xmlns:mv="urn:schemas-microsoft-com:mac:vml" xmlns:c="http://schemas.openxmlformats.org/drawingml/2006/chart" xmlns:dgm="http://schemas.openxmlformats.org/drawingml/2006/diagram" xmlns:o="urn:schemas-microsoft-com:office:office" xmlns:v="urn:schemas-microsoft-com:vml" xmlns:pvml="urn:schemas-microsoft-com:office:powerpoint" xmlns:com="http://schemas.openxmlformats.org/drawingml/2006/compatibility" xmlns:p14="http://schemas.microsoft.com/office/powerpoint/2010/main" xmlns:p15="http://schemas.microsoft.com/office/powerpoint/2012/main" xmlns:ahyp="http://schemas.microsoft.com/office/drawing/2018/hyperlinkcolor" xmlns:go="http://customooxmlschemas.google.com/" r:id="rId20" roundtripDataSignature="AMtx7mh71mdtIxTEnTvu5hvVpeIWRcACdA=="/>
     </p:ext>
   </p:extLst>
 </p:presentation>
@@ -17637,10 +17640,10 @@
               <a:buNone/>
             </a:pPr>
             <a:r>
-              <a:rPr lang="en-US"/>
+              <a:rPr lang="en-US" dirty="0"/>
               <a:t>Business Drivers</a:t>
             </a:r>
-            <a:endParaRPr/>
+            <a:endParaRPr dirty="0"/>
           </a:p>
         </p:txBody>
       </p:sp>
@@ -17737,10 +17740,10 @@
               <a:buAutoNum type="arabicPeriod"/>
             </a:pPr>
             <a:r>
-              <a:rPr lang="en-US" sz="5500"/>
+              <a:rPr lang="en-US" sz="5500" dirty="0"/>
               <a:t>Why are we doing this work?</a:t>
             </a:r>
-            <a:endParaRPr sz="5500"/>
+            <a:endParaRPr sz="5500" dirty="0"/>
           </a:p>
           <a:p>
             <a:pPr marL="914400" lvl="1" indent="-577850" algn="l" rtl="0">
@@ -17757,10 +17760,10 @@
               <a:buChar char="•"/>
             </a:pPr>
             <a:r>
-              <a:rPr lang="en-US" sz="5500"/>
+              <a:rPr lang="en-US" sz="5500" dirty="0"/>
               <a:t>Performance</a:t>
             </a:r>
-            <a:endParaRPr sz="5500"/>
+            <a:endParaRPr sz="5500" dirty="0"/>
           </a:p>
           <a:p>
             <a:pPr marL="914400" lvl="1" indent="-577850" algn="l" rtl="0">
@@ -17777,10 +17780,10 @@
               <a:buChar char="•"/>
             </a:pPr>
             <a:r>
-              <a:rPr lang="en-US" sz="5500"/>
+              <a:rPr lang="en-US" sz="5500" dirty="0"/>
               <a:t>Cost</a:t>
             </a:r>
-            <a:endParaRPr sz="5500"/>
+            <a:endParaRPr sz="5500" dirty="0"/>
           </a:p>
           <a:p>
             <a:pPr marL="457200" lvl="0" indent="0" algn="l" rtl="0">
@@ -17795,10 +17798,10 @@
               </a:spcAft>
               <a:buNone/>
             </a:pPr>
-            <a:endParaRPr sz="5500"/>
-          </a:p>
-          <a:p>
-            <a:pPr marL="457200" lvl="0" indent="-577850" algn="l" rtl="0">
+            <a:endParaRPr sz="5500" dirty="0"/>
+          </a:p>
+          <a:p>
+            <a:pPr marL="793750" lvl="0" indent="-914400" algn="l" rtl="0">
               <a:lnSpc>
                 <a:spcPct val="100000"/>
               </a:lnSpc>
@@ -17809,13 +17812,14 @@
                 <a:spcPts val="0"/>
               </a:spcAft>
               <a:buSzPts val="5500"/>
-              <a:buAutoNum type="arabicPeriod"/>
+              <a:buFont typeface="+mj-lt"/>
+              <a:buAutoNum type="arabicPeriod" startAt="2"/>
             </a:pPr>
             <a:r>
-              <a:rPr lang="en-US" sz="5500"/>
+              <a:rPr lang="en-US" sz="5500" dirty="0"/>
               <a:t>Impact of work: </a:t>
             </a:r>
-            <a:endParaRPr sz="5500"/>
+            <a:endParaRPr sz="5500" dirty="0"/>
           </a:p>
           <a:p>
             <a:pPr marL="1371600" lvl="2" indent="-577850" algn="l" rtl="0">
@@ -17832,10 +17836,10 @@
               <a:buChar char="•"/>
             </a:pPr>
             <a:r>
-              <a:rPr lang="en-US" sz="5500"/>
+              <a:rPr lang="en-US" sz="5500" dirty="0"/>
               <a:t>Business</a:t>
             </a:r>
-            <a:endParaRPr sz="5500"/>
+            <a:endParaRPr sz="5500" dirty="0"/>
           </a:p>
           <a:p>
             <a:pPr marL="1371600" lvl="2" indent="-577850" algn="l" rtl="0">
@@ -17852,10 +17856,10 @@
               <a:buChar char="•"/>
             </a:pPr>
             <a:r>
-              <a:rPr lang="en-US" sz="5500"/>
+              <a:rPr lang="en-US" sz="5500" dirty="0"/>
               <a:t>Development</a:t>
             </a:r>
-            <a:endParaRPr sz="5500"/>
+            <a:endParaRPr sz="5500" dirty="0"/>
           </a:p>
         </p:txBody>
       </p:sp>
@@ -17914,6 +17918,258 @@
   <p:clrMapOvr>
     <a:masterClrMapping/>
   </p:clrMapOvr>
+  <p:timing>
+    <p:tnLst>
+      <p:par>
+        <p:cTn id="1" dur="indefinite" restart="never" nodeType="tmRoot">
+          <p:childTnLst>
+            <p:seq concurrent="1" nextAc="seek">
+              <p:cTn id="2" dur="indefinite" nodeType="mainSeq">
+                <p:childTnLst>
+                  <p:par>
+                    <p:cTn id="3" fill="hold">
+                      <p:stCondLst>
+                        <p:cond delay="indefinite"/>
+                      </p:stCondLst>
+                      <p:childTnLst>
+                        <p:par>
+                          <p:cTn id="4" fill="hold">
+                            <p:stCondLst>
+                              <p:cond delay="0"/>
+                            </p:stCondLst>
+                            <p:childTnLst>
+                              <p:par>
+                                <p:cTn id="5" presetID="1" presetClass="entr" presetSubtype="0" fill="hold" nodeType="clickEffect">
+                                  <p:stCondLst>
+                                    <p:cond delay="0"/>
+                                  </p:stCondLst>
+                                  <p:childTnLst>
+                                    <p:set>
+                                      <p:cBhvr>
+                                        <p:cTn id="6" dur="1" fill="hold">
+                                          <p:stCondLst>
+                                            <p:cond delay="0"/>
+                                          </p:stCondLst>
+                                        </p:cTn>
+                                        <p:tgtEl>
+                                          <p:spTgt spid="106">
+                                            <p:txEl>
+                                              <p:pRg st="0" end="0"/>
+                                            </p:txEl>
+                                          </p:spTgt>
+                                        </p:tgtEl>
+                                        <p:attrNameLst>
+                                          <p:attrName>style.visibility</p:attrName>
+                                        </p:attrNameLst>
+                                      </p:cBhvr>
+                                      <p:to>
+                                        <p:strVal val="visible"/>
+                                      </p:to>
+                                    </p:set>
+                                  </p:childTnLst>
+                                </p:cTn>
+                              </p:par>
+                              <p:par>
+                                <p:cTn id="7" presetID="1" presetClass="entr" presetSubtype="0" fill="hold" nodeType="withEffect">
+                                  <p:stCondLst>
+                                    <p:cond delay="0"/>
+                                  </p:stCondLst>
+                                  <p:childTnLst>
+                                    <p:set>
+                                      <p:cBhvr>
+                                        <p:cTn id="8" dur="1" fill="hold">
+                                          <p:stCondLst>
+                                            <p:cond delay="0"/>
+                                          </p:stCondLst>
+                                        </p:cTn>
+                                        <p:tgtEl>
+                                          <p:spTgt spid="106">
+                                            <p:txEl>
+                                              <p:pRg st="1" end="1"/>
+                                            </p:txEl>
+                                          </p:spTgt>
+                                        </p:tgtEl>
+                                        <p:attrNameLst>
+                                          <p:attrName>style.visibility</p:attrName>
+                                        </p:attrNameLst>
+                                      </p:cBhvr>
+                                      <p:to>
+                                        <p:strVal val="visible"/>
+                                      </p:to>
+                                    </p:set>
+                                  </p:childTnLst>
+                                </p:cTn>
+                              </p:par>
+                              <p:par>
+                                <p:cTn id="9" presetID="1" presetClass="entr" presetSubtype="0" fill="hold" nodeType="withEffect">
+                                  <p:stCondLst>
+                                    <p:cond delay="0"/>
+                                  </p:stCondLst>
+                                  <p:childTnLst>
+                                    <p:set>
+                                      <p:cBhvr>
+                                        <p:cTn id="10" dur="1" fill="hold">
+                                          <p:stCondLst>
+                                            <p:cond delay="0"/>
+                                          </p:stCondLst>
+                                        </p:cTn>
+                                        <p:tgtEl>
+                                          <p:spTgt spid="106">
+                                            <p:txEl>
+                                              <p:pRg st="2" end="2"/>
+                                            </p:txEl>
+                                          </p:spTgt>
+                                        </p:tgtEl>
+                                        <p:attrNameLst>
+                                          <p:attrName>style.visibility</p:attrName>
+                                        </p:attrNameLst>
+                                      </p:cBhvr>
+                                      <p:to>
+                                        <p:strVal val="visible"/>
+                                      </p:to>
+                                    </p:set>
+                                  </p:childTnLst>
+                                </p:cTn>
+                              </p:par>
+                            </p:childTnLst>
+                          </p:cTn>
+                        </p:par>
+                      </p:childTnLst>
+                    </p:cTn>
+                  </p:par>
+                  <p:par>
+                    <p:cTn id="11" fill="hold">
+                      <p:stCondLst>
+                        <p:cond delay="indefinite"/>
+                      </p:stCondLst>
+                      <p:childTnLst>
+                        <p:par>
+                          <p:cTn id="12" fill="hold">
+                            <p:stCondLst>
+                              <p:cond delay="0"/>
+                            </p:stCondLst>
+                            <p:childTnLst>
+                              <p:par>
+                                <p:cTn id="13" presetID="1" presetClass="entr" presetSubtype="0" fill="hold" nodeType="clickEffect">
+                                  <p:stCondLst>
+                                    <p:cond delay="0"/>
+                                  </p:stCondLst>
+                                  <p:childTnLst>
+                                    <p:set>
+                                      <p:cBhvr>
+                                        <p:cTn id="14" dur="1" fill="hold">
+                                          <p:stCondLst>
+                                            <p:cond delay="0"/>
+                                          </p:stCondLst>
+                                        </p:cTn>
+                                        <p:tgtEl>
+                                          <p:spTgt spid="106">
+                                            <p:txEl>
+                                              <p:pRg st="4" end="4"/>
+                                            </p:txEl>
+                                          </p:spTgt>
+                                        </p:tgtEl>
+                                        <p:attrNameLst>
+                                          <p:attrName>style.visibility</p:attrName>
+                                        </p:attrNameLst>
+                                      </p:cBhvr>
+                                      <p:to>
+                                        <p:strVal val="visible"/>
+                                      </p:to>
+                                    </p:set>
+                                  </p:childTnLst>
+                                </p:cTn>
+                              </p:par>
+                              <p:par>
+                                <p:cTn id="15" presetID="1" presetClass="entr" presetSubtype="0" fill="hold" nodeType="withEffect">
+                                  <p:stCondLst>
+                                    <p:cond delay="0"/>
+                                  </p:stCondLst>
+                                  <p:childTnLst>
+                                    <p:set>
+                                      <p:cBhvr>
+                                        <p:cTn id="16" dur="1" fill="hold">
+                                          <p:stCondLst>
+                                            <p:cond delay="0"/>
+                                          </p:stCondLst>
+                                        </p:cTn>
+                                        <p:tgtEl>
+                                          <p:spTgt spid="106">
+                                            <p:txEl>
+                                              <p:pRg st="5" end="5"/>
+                                            </p:txEl>
+                                          </p:spTgt>
+                                        </p:tgtEl>
+                                        <p:attrNameLst>
+                                          <p:attrName>style.visibility</p:attrName>
+                                        </p:attrNameLst>
+                                      </p:cBhvr>
+                                      <p:to>
+                                        <p:strVal val="visible"/>
+                                      </p:to>
+                                    </p:set>
+                                  </p:childTnLst>
+                                </p:cTn>
+                              </p:par>
+                              <p:par>
+                                <p:cTn id="17" presetID="1" presetClass="entr" presetSubtype="0" fill="hold" nodeType="withEffect">
+                                  <p:stCondLst>
+                                    <p:cond delay="0"/>
+                                  </p:stCondLst>
+                                  <p:childTnLst>
+                                    <p:set>
+                                      <p:cBhvr>
+                                        <p:cTn id="18" dur="1" fill="hold">
+                                          <p:stCondLst>
+                                            <p:cond delay="0"/>
+                                          </p:stCondLst>
+                                        </p:cTn>
+                                        <p:tgtEl>
+                                          <p:spTgt spid="106">
+                                            <p:txEl>
+                                              <p:pRg st="6" end="6"/>
+                                            </p:txEl>
+                                          </p:spTgt>
+                                        </p:tgtEl>
+                                        <p:attrNameLst>
+                                          <p:attrName>style.visibility</p:attrName>
+                                        </p:attrNameLst>
+                                      </p:cBhvr>
+                                      <p:to>
+                                        <p:strVal val="visible"/>
+                                      </p:to>
+                                    </p:set>
+                                  </p:childTnLst>
+                                </p:cTn>
+                              </p:par>
+                            </p:childTnLst>
+                          </p:cTn>
+                        </p:par>
+                      </p:childTnLst>
+                    </p:cTn>
+                  </p:par>
+                </p:childTnLst>
+              </p:cTn>
+              <p:prevCondLst>
+                <p:cond evt="onPrev" delay="0">
+                  <p:tgtEl>
+                    <p:sldTgt/>
+                  </p:tgtEl>
+                </p:cond>
+              </p:prevCondLst>
+              <p:nextCondLst>
+                <p:cond evt="onNext" delay="0">
+                  <p:tgtEl>
+                    <p:sldTgt/>
+                  </p:tgtEl>
+                </p:cond>
+              </p:nextCondLst>
+            </p:seq>
+          </p:childTnLst>
+        </p:cTn>
+      </p:par>
+    </p:tnLst>
+  </p:timing>
 </p:sld>
 </file>
 
@@ -17992,7 +18248,13 @@
         <p:nvGraphicFramePr>
           <p:cNvPr id="113" name="Google Shape;113;g15e8571c311_0_1"/>
           <p:cNvGraphicFramePr/>
-          <p:nvPr/>
+          <p:nvPr>
+            <p:extLst>
+              <p:ext uri="{D42A27DB-BD31-4B8C-83A1-F6EECF244321}">
+                <p14:modId xmlns:p14="http://schemas.microsoft.com/office/powerpoint/2010/main" val="1933520193"/>
+              </p:ext>
+            </p:extLst>
+          </p:nvPr>
         </p:nvGraphicFramePr>
         <p:xfrm>
           <a:off x="1828800" y="3651285"/>
@@ -18158,14 +18420,14 @@
                         <a:buAutoNum type="arabicPeriod"/>
                       </a:pPr>
                       <a:r>
-                        <a:rPr lang="en-US" sz="2900">
+                        <a:rPr lang="en-US" sz="2900" dirty="0">
                           <a:solidFill>
                             <a:schemeClr val="dk1"/>
                           </a:solidFill>
                         </a:rPr>
                         <a:t>Design document </a:t>
                       </a:r>
-                      <a:endParaRPr sz="2900"/>
+                      <a:endParaRPr sz="2900" dirty="0"/>
                     </a:p>
                     <a:p>
                       <a:pPr marL="320040" lvl="0" indent="-184150" algn="l" rtl="0">
@@ -18182,10 +18444,18 @@
                         <a:buAutoNum type="arabicPeriod"/>
                       </a:pPr>
                       <a:r>
-                        <a:rPr lang="en-US" sz="2900"/>
-                        <a:t>Development for Central-Settlement </a:t>
+                        <a:rPr lang="en-US" sz="2900" dirty="0"/>
+                        <a:t>Dev &amp; </a:t>
                       </a:r>
-                      <a:endParaRPr sz="2900"/>
+                      <a:r>
+                        <a:rPr lang="en-US" sz="2900" dirty="0">
+                          <a:solidFill>
+                            <a:schemeClr val="dk1"/>
+                          </a:solidFill>
+                        </a:rPr>
+                        <a:t>regression testing</a:t>
+                      </a:r>
+                      <a:endParaRPr sz="2900" dirty="0"/>
                     </a:p>
                     <a:p>
                       <a:pPr marL="320040" lvl="0" indent="-184150" algn="l" rtl="0">
@@ -18202,18 +18472,10 @@
                         <a:buAutoNum type="arabicPeriod"/>
                       </a:pPr>
                       <a:r>
-                        <a:rPr lang="en-US" sz="2900">
-                          <a:solidFill>
-                            <a:schemeClr val="dk1"/>
-                          </a:solidFill>
-                        </a:rPr>
-                        <a:t>Regression </a:t>
+                        <a:rPr lang="en-US" sz="2900" dirty="0"/>
+                        <a:t>Integration tests</a:t>
                       </a:r>
-                      <a:r>
-                        <a:rPr lang="en-US" sz="2900"/>
-                        <a:t>&amp; integration tests</a:t>
-                      </a:r>
-                      <a:endParaRPr sz="2900"/>
+                      <a:endParaRPr sz="2900" dirty="0"/>
                     </a:p>
                   </a:txBody>
                   <a:tcPr marL="91425" marR="91425" marT="91425" marB="91425">
@@ -18241,14 +18503,30 @@
                         <a:buAutoNum type="arabicPeriod" startAt="4"/>
                       </a:pPr>
                       <a:r>
-                        <a:rPr lang="en-US" sz="2900">
+                        <a:rPr lang="en-US" sz="2900" dirty="0">
                           <a:solidFill>
                             <a:schemeClr val="dk1"/>
                           </a:solidFill>
                         </a:rPr>
-                        <a:t>Integrate into vNext *</a:t>
+                        <a:t>Integrate into </a:t>
                       </a:r>
-                      <a:endParaRPr sz="2900">
+                      <a:r>
+                        <a:rPr lang="en-US" sz="2900" dirty="0" err="1">
+                          <a:solidFill>
+                            <a:schemeClr val="dk1"/>
+                          </a:solidFill>
+                        </a:rPr>
+                        <a:t>vNext</a:t>
+                      </a:r>
+                      <a:r>
+                        <a:rPr lang="en-US" sz="2900" dirty="0">
+                          <a:solidFill>
+                            <a:schemeClr val="dk1"/>
+                          </a:solidFill>
+                        </a:rPr>
+                        <a:t> *</a:t>
+                      </a:r>
+                      <a:endParaRPr sz="2900" dirty="0">
                         <a:solidFill>
                           <a:schemeClr val="dk1"/>
                         </a:solidFill>
@@ -18269,22 +18547,22 @@
                         <a:buAutoNum type="arabicPeriod" startAt="4"/>
                       </a:pPr>
                       <a:r>
-                        <a:rPr lang="en-US" sz="2900"/>
+                        <a:rPr lang="en-US" sz="2900" dirty="0"/>
                         <a:t>Demonstrate settlement </a:t>
                       </a:r>
                       <a:r>
-                        <a:rPr lang="en-US" sz="2400"/>
+                        <a:rPr lang="en-US" sz="2400" dirty="0"/>
                         <a:t>(*</a:t>
                       </a:r>
                       <a:r>
-                        <a:rPr lang="en-US" sz="2400" i="1"/>
+                        <a:rPr lang="en-US" sz="2400" i="1" dirty="0"/>
                         <a:t>workaround</a:t>
                       </a:r>
                       <a:r>
-                        <a:rPr lang="en-US" sz="2400"/>
+                        <a:rPr lang="en-US" sz="2400" dirty="0"/>
                         <a:t>)</a:t>
                       </a:r>
-                      <a:endParaRPr sz="2900"/>
+                      <a:endParaRPr sz="2900" dirty="0"/>
                     </a:p>
                   </a:txBody>
                   <a:tcPr marL="91425" marR="91425" marT="91425" marB="91425">
@@ -18353,10 +18631,10 @@
                         <a:buNone/>
                       </a:pPr>
                       <a:r>
-                        <a:rPr lang="en-US" sz="2900" b="1"/>
+                        <a:rPr lang="en-US" sz="2900" b="1" dirty="0"/>
                         <a:t>Roadmap</a:t>
                       </a:r>
-                      <a:endParaRPr sz="2900"/>
+                      <a:endParaRPr sz="2900" dirty="0"/>
                     </a:p>
                     <a:p>
                       <a:pPr marL="457200" lvl="0" indent="-412750" algn="l" rtl="0">
@@ -18373,11 +18651,11 @@
                         <a:buChar char="●"/>
                       </a:pPr>
                       <a:r>
-                        <a:rPr lang="en-US" sz="2900"/>
+                        <a:rPr lang="en-US" sz="2900" dirty="0"/>
                         <a:t>Remove </a:t>
                       </a:r>
                       <a:r>
-                        <a:rPr lang="en-US" sz="2900">
+                        <a:rPr lang="en-US" sz="2900" dirty="0">
                           <a:solidFill>
                             <a:schemeClr val="dk1"/>
                           </a:solidFill>
@@ -18385,10 +18663,10 @@
                         <a:t>data </a:t>
                       </a:r>
                       <a:r>
-                        <a:rPr lang="en-US" sz="2900"/>
+                        <a:rPr lang="en-US" sz="2900" dirty="0"/>
                         <a:t>duplicated in SQL</a:t>
                       </a:r>
-                      <a:endParaRPr sz="2900"/>
+                      <a:endParaRPr sz="2900" dirty="0"/>
                     </a:p>
                     <a:p>
                       <a:pPr marL="457200" lvl="0" indent="-412750" algn="l" rtl="0">
@@ -18405,10 +18683,10 @@
                         <a:buChar char="●"/>
                       </a:pPr>
                       <a:r>
-                        <a:rPr lang="en-US" sz="2900"/>
+                        <a:rPr lang="en-US" sz="2900" dirty="0"/>
                         <a:t>Integration review for Production readiness</a:t>
                       </a:r>
-                      <a:endParaRPr sz="2900"/>
+                      <a:endParaRPr sz="2900" dirty="0"/>
                     </a:p>
                   </a:txBody>
                   <a:tcPr marL="91425" marR="91425" marT="91425" marB="91425">
@@ -18435,14 +18713,14 @@
                         <a:buNone/>
                       </a:pPr>
                       <a:r>
-                        <a:rPr lang="en-US" sz="2900" b="1"/>
+                        <a:rPr lang="en-US" sz="2900" b="1" dirty="0"/>
                         <a:t>Risks / Issues</a:t>
                       </a:r>
                       <a:r>
-                        <a:rPr lang="en-US" sz="2900"/>
+                        <a:rPr lang="en-US" sz="2900" dirty="0"/>
                         <a:t> </a:t>
                       </a:r>
-                      <a:endParaRPr sz="2900"/>
+                      <a:endParaRPr sz="2900" dirty="0"/>
                     </a:p>
                     <a:p>
                       <a:pPr marL="457200" marR="0" lvl="0" indent="-412750" algn="l" rtl="0">
@@ -18459,10 +18737,14 @@
                         <a:buChar char="●"/>
                       </a:pPr>
                       <a:r>
-                        <a:rPr lang="en-US" sz="2900"/>
-                        <a:t>TigerBeetle production readiness</a:t>
+                        <a:rPr lang="en-US" sz="2900" dirty="0" err="1"/>
+                        <a:t>TigerBeetle</a:t>
                       </a:r>
-                      <a:endParaRPr sz="2900"/>
+                      <a:r>
+                        <a:rPr lang="en-US" sz="2900" dirty="0"/>
+                        <a:t> production readiness</a:t>
+                      </a:r>
+                      <a:endParaRPr sz="2900" dirty="0"/>
                     </a:p>
                   </a:txBody>
                   <a:tcPr marL="91425" marR="91425" marT="91425" marB="91425">
@@ -18535,14 +18817,14 @@
                         <a:buChar char="●"/>
                       </a:pPr>
                       <a:r>
-                        <a:rPr lang="en-US" sz="2900">
+                        <a:rPr lang="en-US" sz="2900" dirty="0">
                           <a:solidFill>
                             <a:schemeClr val="dk1"/>
                           </a:solidFill>
                         </a:rPr>
                         <a:t>Add full test suite</a:t>
                       </a:r>
-                      <a:endParaRPr sz="2900">
+                      <a:endParaRPr sz="2900" dirty="0">
                         <a:solidFill>
                           <a:schemeClr val="dk1"/>
                         </a:solidFill>
@@ -18566,14 +18848,14 @@
                         <a:buChar char="●"/>
                       </a:pPr>
                       <a:r>
-                        <a:rPr lang="en-US" sz="2900">
+                        <a:rPr lang="en-US" sz="2900" dirty="0">
                           <a:solidFill>
                             <a:schemeClr val="dk1"/>
                           </a:solidFill>
                         </a:rPr>
                         <a:t>Complete implementation guide</a:t>
                       </a:r>
-                      <a:endParaRPr sz="2900">
+                      <a:endParaRPr sz="2900" dirty="0">
                         <a:solidFill>
                           <a:schemeClr val="dk1"/>
                         </a:solidFill>
@@ -18597,14 +18879,14 @@
                         <a:buChar char="●"/>
                       </a:pPr>
                       <a:r>
-                        <a:rPr lang="en-US" sz="2900">
+                        <a:rPr lang="en-US" sz="2900" dirty="0">
                           <a:solidFill>
                             <a:schemeClr val="dk1"/>
                           </a:solidFill>
                         </a:rPr>
                         <a:t>Quantify settlement performance</a:t>
                       </a:r>
-                      <a:endParaRPr sz="2900">
+                      <a:endParaRPr sz="2900" dirty="0">
                         <a:solidFill>
                           <a:schemeClr val="dk1"/>
                         </a:solidFill>
@@ -18628,14 +18910,14 @@
                         <a:buChar char="●"/>
                       </a:pPr>
                       <a:r>
-                        <a:rPr lang="en-US" sz="2900">
+                        <a:rPr lang="en-US" sz="2900" dirty="0">
                           <a:solidFill>
                             <a:schemeClr val="dk1"/>
                           </a:solidFill>
                         </a:rPr>
                         <a:t>Report total cost of ownership impact</a:t>
                       </a:r>
-                      <a:endParaRPr sz="2900">
+                      <a:endParaRPr sz="2900" dirty="0">
                         <a:solidFill>
                           <a:schemeClr val="dk1"/>
                         </a:solidFill>
@@ -18659,14 +18941,14 @@
                         <a:buChar char="●"/>
                       </a:pPr>
                       <a:r>
-                        <a:rPr lang="en-US" sz="2900">
+                        <a:rPr lang="en-US" sz="2900" dirty="0">
                           <a:solidFill>
                             <a:schemeClr val="dk1"/>
                           </a:solidFill>
                         </a:rPr>
                         <a:t>DA, Product Council &amp; community review &amp; approval process</a:t>
                       </a:r>
-                      <a:endParaRPr sz="2900">
+                      <a:endParaRPr sz="2900" dirty="0">
                         <a:solidFill>
                           <a:schemeClr val="dk1"/>
                         </a:solidFill>
@@ -18912,12 +19194,18 @@
       </p:pic>
       <p:pic>
         <p:nvPicPr>
-          <p:cNvPr id="120" name="Google Shape;120;g15e8571c311_0_1"/>
+          <p:cNvPr id="2" name="Google Shape;119;g15e8571c311_0_1">
+            <a:extLst>
+              <a:ext uri="{FF2B5EF4-FFF2-40B4-BE49-F238E27FC236}">
+                <a16:creationId xmlns:a16="http://schemas.microsoft.com/office/drawing/2014/main" id="{9F1E5CF8-3FC3-D68A-6B19-BA3E7044C226}"/>
+              </a:ext>
+            </a:extLst>
+          </p:cNvPr>
           <p:cNvPicPr preferRelativeResize="0"/>
           <p:nvPr/>
         </p:nvPicPr>
         <p:blipFill>
-          <a:blip r:embed="rId3">
+          <a:blip r:embed="rId4">
             <a:alphaModFix/>
           </a:blip>
           <a:stretch>
@@ -18926,8 +19214,8 @@
         </p:blipFill>
         <p:spPr>
           <a:xfrm>
-            <a:off x="10634472" y="5788152"/>
-            <a:ext cx="486401" cy="486400"/>
+            <a:off x="10624919" y="5864742"/>
+            <a:ext cx="486400" cy="486020"/>
           </a:xfrm>
           <a:prstGeom prst="rect">
             <a:avLst/>
@@ -19110,26 +19398,34 @@
               <a:buAutoNum type="arabicPeriod"/>
             </a:pPr>
             <a:r>
-              <a:rPr lang="en-US" sz="5500"/>
-              <a:t>Need to expose TigerBeetle Transfer timeouts via API (</a:t>
+              <a:rPr lang="en-US" sz="5500" dirty="0"/>
+              <a:t>Need to expose </a:t>
             </a:r>
             <a:r>
-              <a:rPr lang="en-US" sz="5500" i="1"/>
+              <a:rPr lang="en-US" sz="5500" dirty="0" err="1"/>
+              <a:t>TigerBeetle</a:t>
+            </a:r>
+            <a:r>
+              <a:rPr lang="en-US" sz="5500" dirty="0"/>
+              <a:t> Transfer timeouts via API (</a:t>
+            </a:r>
+            <a:r>
+              <a:rPr lang="en-US" sz="5500" i="1" dirty="0"/>
               <a:t>beta</a:t>
             </a:r>
             <a:r>
-              <a:rPr lang="en-US" sz="5500"/>
+              <a:rPr lang="en-US" sz="5500" dirty="0"/>
               <a:t>).</a:t>
             </a:r>
             <a:r>
-              <a:rPr lang="en-US" sz="5000"/>
+              <a:rPr lang="en-US" sz="5000" dirty="0"/>
               <a:t> </a:t>
             </a:r>
             <a:r>
-              <a:rPr lang="en-US" sz="5500"/>
+              <a:rPr lang="en-US" sz="5500" dirty="0"/>
               <a:t>Currently dependent on SQL for Transfer timeouts.</a:t>
             </a:r>
-            <a:endParaRPr sz="5500"/>
+            <a:endParaRPr sz="5500" dirty="0"/>
           </a:p>
           <a:p>
             <a:pPr marL="457200" lvl="0" indent="0" algn="l" rtl="0">
@@ -19144,10 +19440,10 @@
               </a:spcAft>
               <a:buNone/>
             </a:pPr>
-            <a:endParaRPr sz="5500"/>
-          </a:p>
-          <a:p>
-            <a:pPr marL="457200" lvl="0" indent="-577850" algn="l" rtl="0">
+            <a:endParaRPr sz="5500" dirty="0"/>
+          </a:p>
+          <a:p>
+            <a:pPr marL="793750" lvl="0" indent="-914400" algn="l" rtl="0">
               <a:lnSpc>
                 <a:spcPct val="115000"/>
               </a:lnSpc>
@@ -19158,13 +19454,30 @@
                 <a:spcPts val="0"/>
               </a:spcAft>
               <a:buSzPts val="5500"/>
-              <a:buAutoNum type="arabicPeriod"/>
+              <a:buFont typeface="+mj-lt"/>
+              <a:buAutoNum type="arabicPeriod" startAt="2"/>
             </a:pPr>
             <a:r>
-              <a:rPr lang="en-US" sz="5500"/>
-              <a:t>Remove data duplicated in TigerBeetle &amp; SQL by introducing TigerBeetle range queries.</a:t>
+              <a:rPr lang="en-US" sz="5500" dirty="0"/>
+              <a:t>Remove data duplicated in </a:t>
             </a:r>
-            <a:endParaRPr sz="4500"/>
+            <a:r>
+              <a:rPr lang="en-US" sz="5500" dirty="0" err="1"/>
+              <a:t>TigerBeetle</a:t>
+            </a:r>
+            <a:r>
+              <a:rPr lang="en-US" sz="5500" dirty="0"/>
+              <a:t> &amp; SQL by introducing </a:t>
+            </a:r>
+            <a:r>
+              <a:rPr lang="en-US" sz="5500" dirty="0" err="1"/>
+              <a:t>TigerBeetle</a:t>
+            </a:r>
+            <a:r>
+              <a:rPr lang="en-US" sz="5500" dirty="0"/>
+              <a:t> range queries.</a:t>
+            </a:r>
+            <a:endParaRPr sz="4500" dirty="0"/>
           </a:p>
         </p:txBody>
       </p:sp>
@@ -19223,6 +19536,134 @@
   <p:clrMapOvr>
     <a:masterClrMapping/>
   </p:clrMapOvr>
+  <p:timing>
+    <p:tnLst>
+      <p:par>
+        <p:cTn id="1" dur="indefinite" restart="never" nodeType="tmRoot">
+          <p:childTnLst>
+            <p:seq concurrent="1" nextAc="seek">
+              <p:cTn id="2" dur="indefinite" nodeType="mainSeq">
+                <p:childTnLst>
+                  <p:par>
+                    <p:cTn id="3" fill="hold">
+                      <p:stCondLst>
+                        <p:cond delay="indefinite"/>
+                      </p:stCondLst>
+                      <p:childTnLst>
+                        <p:par>
+                          <p:cTn id="4" fill="hold">
+                            <p:stCondLst>
+                              <p:cond delay="0"/>
+                            </p:stCondLst>
+                            <p:childTnLst>
+                              <p:par>
+                                <p:cTn id="5" presetID="1" presetClass="entr" presetSubtype="0" fill="hold" nodeType="clickEffect">
+                                  <p:stCondLst>
+                                    <p:cond delay="0"/>
+                                  </p:stCondLst>
+                                  <p:childTnLst>
+                                    <p:set>
+                                      <p:cBhvr>
+                                        <p:cTn id="6" dur="1" fill="hold">
+                                          <p:stCondLst>
+                                            <p:cond delay="0"/>
+                                          </p:stCondLst>
+                                        </p:cTn>
+                                        <p:tgtEl>
+                                          <p:spTgt spid="127">
+                                            <p:txEl>
+                                              <p:pRg st="0" end="0"/>
+                                            </p:txEl>
+                                          </p:spTgt>
+                                        </p:tgtEl>
+                                        <p:attrNameLst>
+                                          <p:attrName>style.visibility</p:attrName>
+                                        </p:attrNameLst>
+                                      </p:cBhvr>
+                                      <p:to>
+                                        <p:strVal val="visible"/>
+                                      </p:to>
+                                    </p:set>
+                                  </p:childTnLst>
+                                </p:cTn>
+                              </p:par>
+                            </p:childTnLst>
+                          </p:cTn>
+                        </p:par>
+                      </p:childTnLst>
+                    </p:cTn>
+                  </p:par>
+                  <p:par>
+                    <p:cTn id="7" fill="hold">
+                      <p:stCondLst>
+                        <p:cond delay="indefinite"/>
+                      </p:stCondLst>
+                      <p:childTnLst>
+                        <p:par>
+                          <p:cTn id="8" fill="hold">
+                            <p:stCondLst>
+                              <p:cond delay="0"/>
+                            </p:stCondLst>
+                            <p:childTnLst>
+                              <p:par>
+                                <p:cTn id="9" presetID="1" presetClass="entr" presetSubtype="0" fill="hold" nodeType="clickEffect">
+                                  <p:stCondLst>
+                                    <p:cond delay="0"/>
+                                  </p:stCondLst>
+                                  <p:childTnLst>
+                                    <p:set>
+                                      <p:cBhvr>
+                                        <p:cTn id="10" dur="1" fill="hold">
+                                          <p:stCondLst>
+                                            <p:cond delay="0"/>
+                                          </p:stCondLst>
+                                        </p:cTn>
+                                        <p:tgtEl>
+                                          <p:spTgt spid="127">
+                                            <p:txEl>
+                                              <p:pRg st="2" end="2"/>
+                                            </p:txEl>
+                                          </p:spTgt>
+                                        </p:tgtEl>
+                                        <p:attrNameLst>
+                                          <p:attrName>style.visibility</p:attrName>
+                                        </p:attrNameLst>
+                                      </p:cBhvr>
+                                      <p:to>
+                                        <p:strVal val="visible"/>
+                                      </p:to>
+                                    </p:set>
+                                  </p:childTnLst>
+                                </p:cTn>
+                              </p:par>
+                            </p:childTnLst>
+                          </p:cTn>
+                        </p:par>
+                      </p:childTnLst>
+                    </p:cTn>
+                  </p:par>
+                </p:childTnLst>
+              </p:cTn>
+              <p:prevCondLst>
+                <p:cond evt="onPrev" delay="0">
+                  <p:tgtEl>
+                    <p:sldTgt/>
+                  </p:tgtEl>
+                </p:cond>
+              </p:prevCondLst>
+              <p:nextCondLst>
+                <p:cond evt="onNext" delay="0">
+                  <p:tgtEl>
+                    <p:sldTgt/>
+                  </p:tgtEl>
+                </p:cond>
+              </p:nextCondLst>
+            </p:seq>
+          </p:childTnLst>
+        </p:cTn>
+      </p:par>
+    </p:tnLst>
+  </p:timing>
 </p:sld>
 </file>
 
@@ -19464,7 +19905,7 @@
               <a:buNone/>
             </a:pPr>
             <a:r>
-              <a:rPr lang="en-US" sz="3000" b="1">
+              <a:rPr lang="en-US" sz="3000" b="1" dirty="0">
                 <a:solidFill>
                   <a:srgbClr val="A3338D"/>
                 </a:solidFill>
@@ -19475,7 +19916,7 @@
               </a:rPr>
               <a:t>Clearing</a:t>
             </a:r>
-            <a:endParaRPr sz="2500">
+            <a:endParaRPr sz="2500" dirty="0">
               <a:solidFill>
                 <a:srgbClr val="A3338D"/>
               </a:solidFill>
@@ -19937,7 +20378,7 @@
               <a:buNone/>
             </a:pPr>
             <a:r>
-              <a:rPr lang="en-US" sz="1700">
+              <a:rPr lang="en-US" sz="1700" dirty="0">
                 <a:solidFill>
                   <a:srgbClr val="FFFFFF"/>
                 </a:solidFill>
@@ -19949,7 +20390,7 @@
               <a:t>Cleared transfers allocated  to a </a:t>
             </a:r>
             <a:r>
-              <a:rPr lang="en-US" sz="1700" b="1">
+              <a:rPr lang="en-US" sz="1700" b="1" dirty="0" err="1">
                 <a:solidFill>
                   <a:srgbClr val="FFFFFF"/>
                 </a:solidFill>
@@ -19960,7 +20401,7 @@
               </a:rPr>
               <a:t>settlementWindow</a:t>
             </a:r>
-            <a:endParaRPr sz="1700" b="1">
+            <a:endParaRPr sz="1700" b="1" dirty="0">
               <a:solidFill>
                 <a:srgbClr val="FFFFFF"/>
               </a:solidFill>
@@ -20139,7 +20580,7 @@
               <a:buNone/>
             </a:pPr>
             <a:r>
-              <a:rPr lang="en-US" sz="3000" b="1">
+              <a:rPr lang="en-US" sz="3000" b="1" dirty="0">
                 <a:solidFill>
                   <a:srgbClr val="45818E"/>
                 </a:solidFill>
@@ -20150,7 +20591,7 @@
               </a:rPr>
               <a:t>Initialize</a:t>
             </a:r>
-            <a:endParaRPr sz="3000" b="1">
+            <a:endParaRPr sz="3000" b="1" dirty="0">
               <a:solidFill>
                 <a:srgbClr val="45818E"/>
               </a:solidFill>
@@ -20697,7 +21138,7 @@
               <a:buNone/>
             </a:pPr>
             <a:r>
-              <a:rPr lang="en-US" sz="1700" u="sng">
+              <a:rPr lang="en-US" sz="1700" u="sng" dirty="0">
                 <a:solidFill>
                   <a:srgbClr val="FFFFFF"/>
                 </a:solidFill>
@@ -20709,7 +21150,7 @@
               <a:t>Prepare</a:t>
             </a:r>
             <a:r>
-              <a:rPr lang="en-US" sz="1700">
+              <a:rPr lang="en-US" sz="1700" dirty="0">
                 <a:solidFill>
                   <a:srgbClr val="FFFFFF"/>
                 </a:solidFill>
@@ -20721,7 +21162,7 @@
               <a:t> - Create settlement </a:t>
             </a:r>
             <a:r>
-              <a:rPr lang="en-US" sz="1700" b="1">
+              <a:rPr lang="en-US" sz="1700" b="1" dirty="0">
                 <a:solidFill>
                   <a:srgbClr val="FFFFFF"/>
                 </a:solidFill>
@@ -20732,7 +21173,7 @@
               </a:rPr>
               <a:t>obligations</a:t>
             </a:r>
-            <a:endParaRPr sz="1700" b="1">
+            <a:endParaRPr sz="1700" b="1" dirty="0">
               <a:solidFill>
                 <a:srgbClr val="FFFFFF"/>
               </a:solidFill>
@@ -20901,7 +21342,7 @@
               <a:buNone/>
             </a:pPr>
             <a:r>
-              <a:rPr lang="en-US" sz="1700" u="sng">
+              <a:rPr lang="en-US" sz="1700" u="sng" dirty="0">
                 <a:solidFill>
                   <a:srgbClr val="FFFFFF"/>
                 </a:solidFill>
@@ -20913,7 +21354,7 @@
               <a:t>Commit</a:t>
             </a:r>
             <a:r>
-              <a:rPr lang="en-US" sz="1700">
+              <a:rPr lang="en-US" sz="1700" dirty="0">
                 <a:solidFill>
                   <a:srgbClr val="FFFFFF"/>
                 </a:solidFill>
@@ -20925,7 +21366,7 @@
               <a:t> - </a:t>
             </a:r>
             <a:r>
-              <a:rPr lang="en-US" sz="1700" b="1">
+              <a:rPr lang="en-US" sz="1700" b="1" dirty="0">
                 <a:solidFill>
                   <a:srgbClr val="FFFFFF"/>
                 </a:solidFill>
@@ -20937,7 +21378,7 @@
               <a:t>PAYER</a:t>
             </a:r>
             <a:r>
-              <a:rPr lang="en-US" sz="1700">
+              <a:rPr lang="en-US" sz="1700" dirty="0">
                 <a:solidFill>
                   <a:srgbClr val="FFFFFF"/>
                 </a:solidFill>
@@ -20948,7 +21389,7 @@
               </a:rPr>
               <a:t> fulfils obligation</a:t>
             </a:r>
-            <a:endParaRPr sz="1700">
+            <a:endParaRPr sz="1700" dirty="0">
               <a:solidFill>
                 <a:srgbClr val="FFFFFF"/>
               </a:solidFill>
@@ -21060,14 +21501,14 @@
               <a:buNone/>
             </a:pPr>
             <a:r>
-              <a:rPr lang="en-US" sz="1200" b="1" i="1">
+              <a:rPr lang="en-US" sz="1200" b="1" i="1" dirty="0">
                 <a:solidFill>
                   <a:schemeClr val="dk1"/>
                 </a:solidFill>
               </a:rPr>
               <a:t>TRANSFERS_RECORDED</a:t>
             </a:r>
-            <a:endParaRPr sz="1200" b="1" i="1">
+            <a:endParaRPr sz="1200" b="1" i="1" dirty="0">
               <a:solidFill>
                 <a:schemeClr val="dk1"/>
               </a:solidFill>
@@ -21152,14 +21593,14 @@
               <a:buNone/>
             </a:pPr>
             <a:r>
-              <a:rPr lang="en-US" sz="1200" b="1" i="1">
+              <a:rPr lang="en-US" sz="1200" b="1" i="1" dirty="0">
                 <a:solidFill>
                   <a:schemeClr val="dk1"/>
                 </a:solidFill>
               </a:rPr>
               <a:t>TRANSFERS_COMMITTED</a:t>
             </a:r>
-            <a:endParaRPr sz="1200" b="1" i="1">
+            <a:endParaRPr sz="1200" b="1" i="1" dirty="0">
               <a:solidFill>
                 <a:schemeClr val="dk1"/>
               </a:solidFill>
@@ -21202,14 +21643,14 @@
               <a:buNone/>
             </a:pPr>
             <a:r>
-              <a:rPr lang="en-US" sz="1200" b="1" i="1">
+              <a:rPr lang="en-US" sz="1200" b="1" i="1" dirty="0">
                 <a:solidFill>
                   <a:schemeClr val="accent3"/>
                 </a:solidFill>
               </a:rPr>
               <a:t>SETTLED</a:t>
             </a:r>
-            <a:endParaRPr sz="1200" b="1" i="1">
+            <a:endParaRPr sz="1200" b="1" i="1" dirty="0">
               <a:solidFill>
                 <a:schemeClr val="accent3"/>
               </a:solidFill>
@@ -21286,6 +21727,640 @@
   <p:clrMapOvr>
     <a:masterClrMapping/>
   </p:clrMapOvr>
+  <p:timing>
+    <p:tnLst>
+      <p:par>
+        <p:cTn id="1" dur="indefinite" restart="never" nodeType="tmRoot">
+          <p:childTnLst>
+            <p:seq concurrent="1" nextAc="seek">
+              <p:cTn id="2" dur="indefinite" nodeType="mainSeq">
+                <p:childTnLst>
+                  <p:par>
+                    <p:cTn id="3" fill="hold">
+                      <p:stCondLst>
+                        <p:cond delay="indefinite"/>
+                      </p:stCondLst>
+                      <p:childTnLst>
+                        <p:par>
+                          <p:cTn id="4" fill="hold">
+                            <p:stCondLst>
+                              <p:cond delay="0"/>
+                            </p:stCondLst>
+                            <p:childTnLst>
+                              <p:par>
+                                <p:cTn id="5" presetID="1" presetClass="entr" presetSubtype="0" fill="hold" grpId="0" nodeType="clickEffect">
+                                  <p:stCondLst>
+                                    <p:cond delay="0"/>
+                                  </p:stCondLst>
+                                  <p:childTnLst>
+                                    <p:set>
+                                      <p:cBhvr>
+                                        <p:cTn id="6" dur="1" fill="hold">
+                                          <p:stCondLst>
+                                            <p:cond delay="0"/>
+                                          </p:stCondLst>
+                                        </p:cTn>
+                                        <p:tgtEl>
+                                          <p:spTgt spid="157"/>
+                                        </p:tgtEl>
+                                        <p:attrNameLst>
+                                          <p:attrName>style.visibility</p:attrName>
+                                        </p:attrNameLst>
+                                      </p:cBhvr>
+                                      <p:to>
+                                        <p:strVal val="visible"/>
+                                      </p:to>
+                                    </p:set>
+                                  </p:childTnLst>
+                                </p:cTn>
+                              </p:par>
+                              <p:par>
+                                <p:cTn id="7" presetID="1" presetClass="entr" presetSubtype="0" fill="hold" grpId="0" nodeType="withEffect">
+                                  <p:stCondLst>
+                                    <p:cond delay="0"/>
+                                  </p:stCondLst>
+                                  <p:childTnLst>
+                                    <p:set>
+                                      <p:cBhvr>
+                                        <p:cTn id="8" dur="1" fill="hold">
+                                          <p:stCondLst>
+                                            <p:cond delay="0"/>
+                                          </p:stCondLst>
+                                        </p:cTn>
+                                        <p:tgtEl>
+                                          <p:spTgt spid="158"/>
+                                        </p:tgtEl>
+                                        <p:attrNameLst>
+                                          <p:attrName>style.visibility</p:attrName>
+                                        </p:attrNameLst>
+                                      </p:cBhvr>
+                                      <p:to>
+                                        <p:strVal val="visible"/>
+                                      </p:to>
+                                    </p:set>
+                                  </p:childTnLst>
+                                </p:cTn>
+                              </p:par>
+                              <p:par>
+                                <p:cTn id="9" presetID="1" presetClass="entr" presetSubtype="0" fill="hold" grpId="0" nodeType="withEffect">
+                                  <p:stCondLst>
+                                    <p:cond delay="0"/>
+                                  </p:stCondLst>
+                                  <p:childTnLst>
+                                    <p:set>
+                                      <p:cBhvr>
+                                        <p:cTn id="10" dur="1" fill="hold">
+                                          <p:stCondLst>
+                                            <p:cond delay="0"/>
+                                          </p:stCondLst>
+                                        </p:cTn>
+                                        <p:tgtEl>
+                                          <p:spTgt spid="159"/>
+                                        </p:tgtEl>
+                                        <p:attrNameLst>
+                                          <p:attrName>style.visibility</p:attrName>
+                                        </p:attrNameLst>
+                                      </p:cBhvr>
+                                      <p:to>
+                                        <p:strVal val="visible"/>
+                                      </p:to>
+                                    </p:set>
+                                  </p:childTnLst>
+                                </p:cTn>
+                              </p:par>
+                              <p:par>
+                                <p:cTn id="11" presetID="1" presetClass="entr" presetSubtype="0" fill="hold" grpId="0" nodeType="withEffect">
+                                  <p:stCondLst>
+                                    <p:cond delay="0"/>
+                                  </p:stCondLst>
+                                  <p:childTnLst>
+                                    <p:set>
+                                      <p:cBhvr>
+                                        <p:cTn id="12" dur="1" fill="hold">
+                                          <p:stCondLst>
+                                            <p:cond delay="0"/>
+                                          </p:stCondLst>
+                                        </p:cTn>
+                                        <p:tgtEl>
+                                          <p:spTgt spid="153"/>
+                                        </p:tgtEl>
+                                        <p:attrNameLst>
+                                          <p:attrName>style.visibility</p:attrName>
+                                        </p:attrNameLst>
+                                      </p:cBhvr>
+                                      <p:to>
+                                        <p:strVal val="visible"/>
+                                      </p:to>
+                                    </p:set>
+                                  </p:childTnLst>
+                                </p:cTn>
+                              </p:par>
+                            </p:childTnLst>
+                          </p:cTn>
+                        </p:par>
+                      </p:childTnLst>
+                    </p:cTn>
+                  </p:par>
+                  <p:par>
+                    <p:cTn id="13" fill="hold">
+                      <p:stCondLst>
+                        <p:cond delay="indefinite"/>
+                      </p:stCondLst>
+                      <p:childTnLst>
+                        <p:par>
+                          <p:cTn id="14" fill="hold">
+                            <p:stCondLst>
+                              <p:cond delay="0"/>
+                            </p:stCondLst>
+                            <p:childTnLst>
+                              <p:par>
+                                <p:cTn id="15" presetID="1" presetClass="entr" presetSubtype="0" fill="hold" grpId="0" nodeType="clickEffect">
+                                  <p:stCondLst>
+                                    <p:cond delay="0"/>
+                                  </p:stCondLst>
+                                  <p:childTnLst>
+                                    <p:set>
+                                      <p:cBhvr>
+                                        <p:cTn id="16" dur="1" fill="hold">
+                                          <p:stCondLst>
+                                            <p:cond delay="0"/>
+                                          </p:stCondLst>
+                                        </p:cTn>
+                                        <p:tgtEl>
+                                          <p:spTgt spid="149"/>
+                                        </p:tgtEl>
+                                        <p:attrNameLst>
+                                          <p:attrName>style.visibility</p:attrName>
+                                        </p:attrNameLst>
+                                      </p:cBhvr>
+                                      <p:to>
+                                        <p:strVal val="visible"/>
+                                      </p:to>
+                                    </p:set>
+                                  </p:childTnLst>
+                                </p:cTn>
+                              </p:par>
+                              <p:par>
+                                <p:cTn id="17" presetID="1" presetClass="entr" presetSubtype="0" fill="hold" grpId="0" nodeType="withEffect">
+                                  <p:stCondLst>
+                                    <p:cond delay="0"/>
+                                  </p:stCondLst>
+                                  <p:childTnLst>
+                                    <p:set>
+                                      <p:cBhvr>
+                                        <p:cTn id="18" dur="1" fill="hold">
+                                          <p:stCondLst>
+                                            <p:cond delay="0"/>
+                                          </p:stCondLst>
+                                        </p:cTn>
+                                        <p:tgtEl>
+                                          <p:spTgt spid="137"/>
+                                        </p:tgtEl>
+                                        <p:attrNameLst>
+                                          <p:attrName>style.visibility</p:attrName>
+                                        </p:attrNameLst>
+                                      </p:cBhvr>
+                                      <p:to>
+                                        <p:strVal val="visible"/>
+                                      </p:to>
+                                    </p:set>
+                                  </p:childTnLst>
+                                </p:cTn>
+                              </p:par>
+                            </p:childTnLst>
+                          </p:cTn>
+                        </p:par>
+                      </p:childTnLst>
+                    </p:cTn>
+                  </p:par>
+                  <p:par>
+                    <p:cTn id="19" fill="hold">
+                      <p:stCondLst>
+                        <p:cond delay="indefinite"/>
+                      </p:stCondLst>
+                      <p:childTnLst>
+                        <p:par>
+                          <p:cTn id="20" fill="hold">
+                            <p:stCondLst>
+                              <p:cond delay="0"/>
+                            </p:stCondLst>
+                            <p:childTnLst>
+                              <p:par>
+                                <p:cTn id="21" presetID="1" presetClass="entr" presetSubtype="0" fill="hold" grpId="0" nodeType="clickEffect">
+                                  <p:stCondLst>
+                                    <p:cond delay="0"/>
+                                  </p:stCondLst>
+                                  <p:childTnLst>
+                                    <p:set>
+                                      <p:cBhvr>
+                                        <p:cTn id="22" dur="1" fill="hold">
+                                          <p:stCondLst>
+                                            <p:cond delay="0"/>
+                                          </p:stCondLst>
+                                        </p:cTn>
+                                        <p:tgtEl>
+                                          <p:spTgt spid="143"/>
+                                        </p:tgtEl>
+                                        <p:attrNameLst>
+                                          <p:attrName>style.visibility</p:attrName>
+                                        </p:attrNameLst>
+                                      </p:cBhvr>
+                                      <p:to>
+                                        <p:strVal val="visible"/>
+                                      </p:to>
+                                    </p:set>
+                                  </p:childTnLst>
+                                </p:cTn>
+                              </p:par>
+                              <p:par>
+                                <p:cTn id="23" presetID="1" presetClass="entr" presetSubtype="0" fill="hold" grpId="0" nodeType="withEffect">
+                                  <p:stCondLst>
+                                    <p:cond delay="0"/>
+                                  </p:stCondLst>
+                                  <p:childTnLst>
+                                    <p:set>
+                                      <p:cBhvr>
+                                        <p:cTn id="24" dur="1" fill="hold">
+                                          <p:stCondLst>
+                                            <p:cond delay="0"/>
+                                          </p:stCondLst>
+                                        </p:cTn>
+                                        <p:tgtEl>
+                                          <p:spTgt spid="160"/>
+                                        </p:tgtEl>
+                                        <p:attrNameLst>
+                                          <p:attrName>style.visibility</p:attrName>
+                                        </p:attrNameLst>
+                                      </p:cBhvr>
+                                      <p:to>
+                                        <p:strVal val="visible"/>
+                                      </p:to>
+                                    </p:set>
+                                  </p:childTnLst>
+                                </p:cTn>
+                              </p:par>
+                              <p:par>
+                                <p:cTn id="25" presetID="1" presetClass="entr" presetSubtype="0" fill="hold" grpId="0" nodeType="withEffect">
+                                  <p:stCondLst>
+                                    <p:cond delay="0"/>
+                                  </p:stCondLst>
+                                  <p:childTnLst>
+                                    <p:set>
+                                      <p:cBhvr>
+                                        <p:cTn id="26" dur="1" fill="hold">
+                                          <p:stCondLst>
+                                            <p:cond delay="0"/>
+                                          </p:stCondLst>
+                                        </p:cTn>
+                                        <p:tgtEl>
+                                          <p:spTgt spid="170"/>
+                                        </p:tgtEl>
+                                        <p:attrNameLst>
+                                          <p:attrName>style.visibility</p:attrName>
+                                        </p:attrNameLst>
+                                      </p:cBhvr>
+                                      <p:to>
+                                        <p:strVal val="visible"/>
+                                      </p:to>
+                                    </p:set>
+                                  </p:childTnLst>
+                                </p:cTn>
+                              </p:par>
+                            </p:childTnLst>
+                          </p:cTn>
+                        </p:par>
+                      </p:childTnLst>
+                    </p:cTn>
+                  </p:par>
+                  <p:par>
+                    <p:cTn id="27" fill="hold">
+                      <p:stCondLst>
+                        <p:cond delay="indefinite"/>
+                      </p:stCondLst>
+                      <p:childTnLst>
+                        <p:par>
+                          <p:cTn id="28" fill="hold">
+                            <p:stCondLst>
+                              <p:cond delay="0"/>
+                            </p:stCondLst>
+                            <p:childTnLst>
+                              <p:par>
+                                <p:cTn id="29" presetID="1" presetClass="entr" presetSubtype="0" fill="hold" grpId="0" nodeType="clickEffect">
+                                  <p:stCondLst>
+                                    <p:cond delay="0"/>
+                                  </p:stCondLst>
+                                  <p:childTnLst>
+                                    <p:set>
+                                      <p:cBhvr>
+                                        <p:cTn id="30" dur="1" fill="hold">
+                                          <p:stCondLst>
+                                            <p:cond delay="0"/>
+                                          </p:stCondLst>
+                                        </p:cTn>
+                                        <p:tgtEl>
+                                          <p:spTgt spid="167"/>
+                                        </p:tgtEl>
+                                        <p:attrNameLst>
+                                          <p:attrName>style.visibility</p:attrName>
+                                        </p:attrNameLst>
+                                      </p:cBhvr>
+                                      <p:to>
+                                        <p:strVal val="visible"/>
+                                      </p:to>
+                                    </p:set>
+                                  </p:childTnLst>
+                                </p:cTn>
+                              </p:par>
+                              <p:par>
+                                <p:cTn id="31" presetID="1" presetClass="entr" presetSubtype="0" fill="hold" grpId="0" nodeType="withEffect">
+                                  <p:stCondLst>
+                                    <p:cond delay="0"/>
+                                  </p:stCondLst>
+                                  <p:childTnLst>
+                                    <p:set>
+                                      <p:cBhvr>
+                                        <p:cTn id="32" dur="1" fill="hold">
+                                          <p:stCondLst>
+                                            <p:cond delay="0"/>
+                                          </p:stCondLst>
+                                        </p:cTn>
+                                        <p:tgtEl>
+                                          <p:spTgt spid="171"/>
+                                        </p:tgtEl>
+                                        <p:attrNameLst>
+                                          <p:attrName>style.visibility</p:attrName>
+                                        </p:attrNameLst>
+                                      </p:cBhvr>
+                                      <p:to>
+                                        <p:strVal val="visible"/>
+                                      </p:to>
+                                    </p:set>
+                                  </p:childTnLst>
+                                </p:cTn>
+                              </p:par>
+                            </p:childTnLst>
+                          </p:cTn>
+                        </p:par>
+                      </p:childTnLst>
+                    </p:cTn>
+                  </p:par>
+                  <p:par>
+                    <p:cTn id="33" fill="hold">
+                      <p:stCondLst>
+                        <p:cond delay="indefinite"/>
+                      </p:stCondLst>
+                      <p:childTnLst>
+                        <p:par>
+                          <p:cTn id="34" fill="hold">
+                            <p:stCondLst>
+                              <p:cond delay="0"/>
+                            </p:stCondLst>
+                            <p:childTnLst>
+                              <p:par>
+                                <p:cTn id="35" presetID="1" presetClass="entr" presetSubtype="0" fill="hold" grpId="0" nodeType="clickEffect">
+                                  <p:stCondLst>
+                                    <p:cond delay="0"/>
+                                  </p:stCondLst>
+                                  <p:childTnLst>
+                                    <p:set>
+                                      <p:cBhvr>
+                                        <p:cTn id="36" dur="1" fill="hold">
+                                          <p:stCondLst>
+                                            <p:cond delay="0"/>
+                                          </p:stCondLst>
+                                        </p:cTn>
+                                        <p:tgtEl>
+                                          <p:spTgt spid="168"/>
+                                        </p:tgtEl>
+                                        <p:attrNameLst>
+                                          <p:attrName>style.visibility</p:attrName>
+                                        </p:attrNameLst>
+                                      </p:cBhvr>
+                                      <p:to>
+                                        <p:strVal val="visible"/>
+                                      </p:to>
+                                    </p:set>
+                                  </p:childTnLst>
+                                </p:cTn>
+                              </p:par>
+                              <p:par>
+                                <p:cTn id="37" presetID="1" presetClass="entr" presetSubtype="0" fill="hold" grpId="0" nodeType="withEffect">
+                                  <p:stCondLst>
+                                    <p:cond delay="0"/>
+                                  </p:stCondLst>
+                                  <p:childTnLst>
+                                    <p:set>
+                                      <p:cBhvr>
+                                        <p:cTn id="38" dur="1" fill="hold">
+                                          <p:stCondLst>
+                                            <p:cond delay="0"/>
+                                          </p:stCondLst>
+                                        </p:cTn>
+                                        <p:tgtEl>
+                                          <p:spTgt spid="172"/>
+                                        </p:tgtEl>
+                                        <p:attrNameLst>
+                                          <p:attrName>style.visibility</p:attrName>
+                                        </p:attrNameLst>
+                                      </p:cBhvr>
+                                      <p:to>
+                                        <p:strVal val="visible"/>
+                                      </p:to>
+                                    </p:set>
+                                  </p:childTnLst>
+                                </p:cTn>
+                              </p:par>
+                            </p:childTnLst>
+                          </p:cTn>
+                        </p:par>
+                      </p:childTnLst>
+                    </p:cTn>
+                  </p:par>
+                  <p:par>
+                    <p:cTn id="39" fill="hold">
+                      <p:stCondLst>
+                        <p:cond delay="indefinite"/>
+                      </p:stCondLst>
+                      <p:childTnLst>
+                        <p:par>
+                          <p:cTn id="40" fill="hold">
+                            <p:stCondLst>
+                              <p:cond delay="0"/>
+                            </p:stCondLst>
+                            <p:childTnLst>
+                              <p:par>
+                                <p:cTn id="41" presetID="1" presetClass="entr" presetSubtype="0" fill="hold" grpId="0" nodeType="clickEffect">
+                                  <p:stCondLst>
+                                    <p:cond delay="0"/>
+                                  </p:stCondLst>
+                                  <p:childTnLst>
+                                    <p:set>
+                                      <p:cBhvr>
+                                        <p:cTn id="42" dur="1" fill="hold">
+                                          <p:stCondLst>
+                                            <p:cond delay="0"/>
+                                          </p:stCondLst>
+                                        </p:cTn>
+                                        <p:tgtEl>
+                                          <p:spTgt spid="169"/>
+                                        </p:tgtEl>
+                                        <p:attrNameLst>
+                                          <p:attrName>style.visibility</p:attrName>
+                                        </p:attrNameLst>
+                                      </p:cBhvr>
+                                      <p:to>
+                                        <p:strVal val="visible"/>
+                                      </p:to>
+                                    </p:set>
+                                  </p:childTnLst>
+                                </p:cTn>
+                              </p:par>
+                              <p:par>
+                                <p:cTn id="43" presetID="1" presetClass="entr" presetSubtype="0" fill="hold" grpId="0" nodeType="withEffect">
+                                  <p:stCondLst>
+                                    <p:cond delay="0"/>
+                                  </p:stCondLst>
+                                  <p:childTnLst>
+                                    <p:set>
+                                      <p:cBhvr>
+                                        <p:cTn id="44" dur="1" fill="hold">
+                                          <p:stCondLst>
+                                            <p:cond delay="0"/>
+                                          </p:stCondLst>
+                                        </p:cTn>
+                                        <p:tgtEl>
+                                          <p:spTgt spid="173"/>
+                                        </p:tgtEl>
+                                        <p:attrNameLst>
+                                          <p:attrName>style.visibility</p:attrName>
+                                        </p:attrNameLst>
+                                      </p:cBhvr>
+                                      <p:to>
+                                        <p:strVal val="visible"/>
+                                      </p:to>
+                                    </p:set>
+                                  </p:childTnLst>
+                                </p:cTn>
+                              </p:par>
+                            </p:childTnLst>
+                          </p:cTn>
+                        </p:par>
+                      </p:childTnLst>
+                    </p:cTn>
+                  </p:par>
+                  <p:par>
+                    <p:cTn id="45" fill="hold">
+                      <p:stCondLst>
+                        <p:cond delay="indefinite"/>
+                      </p:stCondLst>
+                      <p:childTnLst>
+                        <p:par>
+                          <p:cTn id="46" fill="hold">
+                            <p:stCondLst>
+                              <p:cond delay="0"/>
+                            </p:stCondLst>
+                            <p:childTnLst>
+                              <p:par>
+                                <p:cTn id="47" presetID="1" presetClass="entr" presetSubtype="0" fill="hold" grpId="0" nodeType="clickEffect">
+                                  <p:stCondLst>
+                                    <p:cond delay="0"/>
+                                  </p:stCondLst>
+                                  <p:childTnLst>
+                                    <p:set>
+                                      <p:cBhvr>
+                                        <p:cTn id="48" dur="1" fill="hold">
+                                          <p:stCondLst>
+                                            <p:cond delay="0"/>
+                                          </p:stCondLst>
+                                        </p:cTn>
+                                        <p:tgtEl>
+                                          <p:spTgt spid="174"/>
+                                        </p:tgtEl>
+                                        <p:attrNameLst>
+                                          <p:attrName>style.visibility</p:attrName>
+                                        </p:attrNameLst>
+                                      </p:cBhvr>
+                                      <p:to>
+                                        <p:strVal val="visible"/>
+                                      </p:to>
+                                    </p:set>
+                                  </p:childTnLst>
+                                </p:cTn>
+                              </p:par>
+                              <p:par>
+                                <p:cTn id="49" presetID="1" presetClass="entr" presetSubtype="0" fill="hold" grpId="0" nodeType="withEffect">
+                                  <p:stCondLst>
+                                    <p:cond delay="0"/>
+                                  </p:stCondLst>
+                                  <p:childTnLst>
+                                    <p:set>
+                                      <p:cBhvr>
+                                        <p:cTn id="50" dur="1" fill="hold">
+                                          <p:stCondLst>
+                                            <p:cond delay="0"/>
+                                          </p:stCondLst>
+                                        </p:cTn>
+                                        <p:tgtEl>
+                                          <p:spTgt spid="175"/>
+                                        </p:tgtEl>
+                                        <p:attrNameLst>
+                                          <p:attrName>style.visibility</p:attrName>
+                                        </p:attrNameLst>
+                                      </p:cBhvr>
+                                      <p:to>
+                                        <p:strVal val="visible"/>
+                                      </p:to>
+                                    </p:set>
+                                  </p:childTnLst>
+                                </p:cTn>
+                              </p:par>
+                            </p:childTnLst>
+                          </p:cTn>
+                        </p:par>
+                      </p:childTnLst>
+                    </p:cTn>
+                  </p:par>
+                </p:childTnLst>
+              </p:cTn>
+              <p:prevCondLst>
+                <p:cond evt="onPrev" delay="0">
+                  <p:tgtEl>
+                    <p:sldTgt/>
+                  </p:tgtEl>
+                </p:cond>
+              </p:prevCondLst>
+              <p:nextCondLst>
+                <p:cond evt="onNext" delay="0">
+                  <p:tgtEl>
+                    <p:sldTgt/>
+                  </p:tgtEl>
+                </p:cond>
+              </p:nextCondLst>
+            </p:seq>
+          </p:childTnLst>
+        </p:cTn>
+      </p:par>
+    </p:tnLst>
+    <p:bldLst>
+      <p:bldP spid="137" grpId="0" animBg="1"/>
+      <p:bldP spid="143" grpId="0" animBg="1"/>
+      <p:bldP spid="149" grpId="0" animBg="1"/>
+      <p:bldP spid="153" grpId="0" animBg="1"/>
+      <p:bldP spid="157" grpId="0" animBg="1"/>
+      <p:bldP spid="158" grpId="0" animBg="1"/>
+      <p:bldP spid="159" grpId="0" animBg="1"/>
+      <p:bldP spid="160" grpId="0" animBg="1"/>
+      <p:bldP spid="167" grpId="0" animBg="1"/>
+      <p:bldP spid="168" grpId="0" animBg="1"/>
+      <p:bldP spid="169" grpId="0" animBg="1"/>
+      <p:bldP spid="170" grpId="0"/>
+      <p:bldP spid="171" grpId="0"/>
+      <p:bldP spid="172" grpId="0"/>
+      <p:bldP spid="173" grpId="0"/>
+      <p:bldP spid="174" grpId="0"/>
+      <p:bldP spid="175" grpId="0" animBg="1"/>
+    </p:bldLst>
+  </p:timing>
 </p:sld>
 </file>
 
@@ -21353,10 +22428,10 @@
               <a:buNone/>
             </a:pPr>
             <a:r>
-              <a:rPr lang="en-US"/>
+              <a:rPr lang="en-US" dirty="0"/>
               <a:t>Demo - Clearing &amp; Settlement</a:t>
             </a:r>
-            <a:endParaRPr/>
+            <a:endParaRPr dirty="0"/>
           </a:p>
         </p:txBody>
       </p:sp>
@@ -21570,89 +22645,6 @@
   <p:clrMapOvr>
     <a:masterClrMapping/>
   </p:clrMapOvr>
-  <p:timing>
-    <p:tnLst>
-      <p:par>
-        <p:cTn id="1" dur="indefinite" restart="never" nodeType="tmRoot">
-          <p:childTnLst>
-            <p:seq concurrent="1" nextAc="seek">
-              <p:cTn id="2" dur="indefinite" nodeType="mainSeq">
-                <p:childTnLst>
-                  <p:par>
-                    <p:cTn id="3" fill="hold">
-                      <p:stCondLst>
-                        <p:cond delay="indefinite"/>
-                      </p:stCondLst>
-                      <p:childTnLst>
-                        <p:par>
-                          <p:cTn id="4" fill="hold">
-                            <p:stCondLst>
-                              <p:cond delay="0"/>
-                            </p:stCondLst>
-                            <p:childTnLst>
-                              <p:par>
-                                <p:cTn id="5" presetID="10" presetClass="entr" presetSubtype="0" fill="hold" nodeType="clickEffect">
-                                  <p:stCondLst>
-                                    <p:cond delay="0"/>
-                                  </p:stCondLst>
-                                  <p:childTnLst>
-                                    <p:set>
-                                      <p:cBhvr>
-                                        <p:cTn id="6" dur="1" fill="hold">
-                                          <p:stCondLst>
-                                            <p:cond delay="0"/>
-                                          </p:stCondLst>
-                                        </p:cTn>
-                                        <p:tgtEl>
-                                          <p:spTgt spid="185"/>
-                                        </p:tgtEl>
-                                        <p:attrNameLst>
-                                          <p:attrName>style.visibility</p:attrName>
-                                        </p:attrNameLst>
-                                      </p:cBhvr>
-                                      <p:to>
-                                        <p:strVal val="visible"/>
-                                      </p:to>
-                                    </p:set>
-                                    <p:animEffect transition="in" filter="fade">
-                                      <p:cBhvr>
-                                        <p:cTn id="7" dur="1000"/>
-                                        <p:tgtEl>
-                                          <p:spTgt spid="185"/>
-                                        </p:tgtEl>
-                                      </p:cBhvr>
-                                    </p:animEffect>
-                                  </p:childTnLst>
-                                </p:cTn>
-                              </p:par>
-                            </p:childTnLst>
-                          </p:cTn>
-                        </p:par>
-                      </p:childTnLst>
-                    </p:cTn>
-                  </p:par>
-                </p:childTnLst>
-              </p:cTn>
-              <p:prevCondLst>
-                <p:cond evt="onPrev" delay="0">
-                  <p:tgtEl>
-                    <p:sldTgt/>
-                  </p:tgtEl>
-                </p:cond>
-              </p:prevCondLst>
-              <p:nextCondLst>
-                <p:cond evt="onNext" delay="0">
-                  <p:tgtEl>
-                    <p:sldTgt/>
-                  </p:tgtEl>
-                </p:cond>
-              </p:nextCondLst>
-            </p:seq>
-          </p:childTnLst>
-        </p:cTn>
-      </p:par>
-    </p:tnLst>
-  </p:timing>
 </p:sld>
 </file>
 
@@ -21820,10 +22812,18 @@
               <a:buAutoNum type="arabicPeriod"/>
             </a:pPr>
             <a:r>
-              <a:rPr lang="en-US" sz="5500"/>
-              <a:t>Upgrade TigerBeetle to resolve the 2 constraints.</a:t>
+              <a:rPr lang="en-US" sz="5500" dirty="0"/>
+              <a:t>Upgrade </a:t>
             </a:r>
-            <a:endParaRPr sz="5500"/>
+            <a:r>
+              <a:rPr lang="en-US" sz="5500" dirty="0" err="1"/>
+              <a:t>TigerBeetle</a:t>
+            </a:r>
+            <a:r>
+              <a:rPr lang="en-US" sz="5500" dirty="0"/>
+              <a:t> to resolve the 2 constraints.</a:t>
+            </a:r>
+            <a:endParaRPr sz="5500" dirty="0"/>
           </a:p>
           <a:p>
             <a:pPr marL="457200" lvl="0" indent="0" algn="l" rtl="0">
@@ -21838,10 +22838,10 @@
               </a:spcAft>
               <a:buNone/>
             </a:pPr>
-            <a:endParaRPr sz="5500"/>
-          </a:p>
-          <a:p>
-            <a:pPr marL="457200" lvl="0" indent="-577850" algn="l" rtl="0">
+            <a:endParaRPr sz="5500" dirty="0"/>
+          </a:p>
+          <a:p>
+            <a:pPr marL="793750" lvl="0" indent="-914400" algn="l" rtl="0">
               <a:lnSpc>
                 <a:spcPct val="115000"/>
               </a:lnSpc>
@@ -21852,13 +22852,14 @@
                 <a:spcPts val="0"/>
               </a:spcAft>
               <a:buSzPts val="5500"/>
-              <a:buAutoNum type="arabicPeriod"/>
+              <a:buFont typeface="+mj-lt"/>
+              <a:buAutoNum type="arabicPeriod" startAt="2"/>
             </a:pPr>
             <a:r>
-              <a:rPr lang="en-US" sz="5500"/>
+              <a:rPr lang="en-US" sz="5500" dirty="0"/>
               <a:t>Complete settlement integration &amp; expand testing.</a:t>
             </a:r>
-            <a:endParaRPr sz="5500"/>
+            <a:endParaRPr sz="5500" dirty="0"/>
           </a:p>
           <a:p>
             <a:pPr marL="457200" lvl="0" indent="0" algn="l" rtl="0">
@@ -21873,10 +22874,10 @@
               </a:spcAft>
               <a:buNone/>
             </a:pPr>
-            <a:endParaRPr sz="5500"/>
-          </a:p>
-          <a:p>
-            <a:pPr marL="457200" lvl="0" indent="-577850" algn="l" rtl="0">
+            <a:endParaRPr sz="5500" dirty="0"/>
+          </a:p>
+          <a:p>
+            <a:pPr marL="793750" lvl="0" indent="-914400" algn="l" rtl="0">
               <a:lnSpc>
                 <a:spcPct val="115000"/>
               </a:lnSpc>
@@ -21887,13 +22888,14 @@
                 <a:spcPts val="0"/>
               </a:spcAft>
               <a:buSzPts val="5500"/>
-              <a:buAutoNum type="arabicPeriod"/>
+              <a:buFont typeface="+mj-lt"/>
+              <a:buAutoNum type="arabicPeriod" startAt="3"/>
             </a:pPr>
             <a:r>
-              <a:rPr lang="en-US" sz="5500"/>
+              <a:rPr lang="en-US" sz="5500" dirty="0"/>
               <a:t>Quantify performance.</a:t>
             </a:r>
-            <a:endParaRPr sz="5500"/>
+            <a:endParaRPr sz="5500" dirty="0"/>
           </a:p>
           <a:p>
             <a:pPr marL="457200" lvl="0" indent="0" algn="l" rtl="0">
@@ -21908,10 +22910,10 @@
               </a:spcAft>
               <a:buNone/>
             </a:pPr>
-            <a:endParaRPr sz="5500"/>
-          </a:p>
-          <a:p>
-            <a:pPr marL="457200" lvl="0" indent="-577850" algn="l" rtl="0">
+            <a:endParaRPr sz="5500" dirty="0"/>
+          </a:p>
+          <a:p>
+            <a:pPr marL="793750" lvl="0" indent="-914400" algn="l" rtl="0">
               <a:lnSpc>
                 <a:spcPct val="115000"/>
               </a:lnSpc>
@@ -21922,13 +22924,14 @@
                 <a:spcPts val="0"/>
               </a:spcAft>
               <a:buSzPts val="5500"/>
-              <a:buAutoNum type="arabicPeriod"/>
+              <a:buFont typeface="+mj-lt"/>
+              <a:buAutoNum type="arabicPeriod" startAt="4"/>
             </a:pPr>
             <a:r>
-              <a:rPr lang="en-US" sz="5500"/>
+              <a:rPr lang="en-US" sz="5500" dirty="0"/>
               <a:t>Initiate community review process.</a:t>
             </a:r>
-            <a:endParaRPr sz="5500"/>
+            <a:endParaRPr sz="5500" dirty="0"/>
           </a:p>
         </p:txBody>
       </p:sp>
@@ -21987,6 +22990,232 @@
   <p:clrMapOvr>
     <a:masterClrMapping/>
   </p:clrMapOvr>
+  <p:timing>
+    <p:tnLst>
+      <p:par>
+        <p:cTn id="1" dur="indefinite" restart="never" nodeType="tmRoot">
+          <p:childTnLst>
+            <p:seq concurrent="1" nextAc="seek">
+              <p:cTn id="2" dur="indefinite" nodeType="mainSeq">
+                <p:childTnLst>
+                  <p:par>
+                    <p:cTn id="3" fill="hold">
+                      <p:stCondLst>
+                        <p:cond delay="indefinite"/>
+                      </p:stCondLst>
+                      <p:childTnLst>
+                        <p:par>
+                          <p:cTn id="4" fill="hold">
+                            <p:stCondLst>
+                              <p:cond delay="0"/>
+                            </p:stCondLst>
+                            <p:childTnLst>
+                              <p:par>
+                                <p:cTn id="5" presetID="1" presetClass="entr" presetSubtype="0" fill="hold" nodeType="clickEffect">
+                                  <p:stCondLst>
+                                    <p:cond delay="0"/>
+                                  </p:stCondLst>
+                                  <p:childTnLst>
+                                    <p:set>
+                                      <p:cBhvr>
+                                        <p:cTn id="6" dur="1" fill="hold">
+                                          <p:stCondLst>
+                                            <p:cond delay="0"/>
+                                          </p:stCondLst>
+                                        </p:cTn>
+                                        <p:tgtEl>
+                                          <p:spTgt spid="192">
+                                            <p:txEl>
+                                              <p:pRg st="0" end="0"/>
+                                            </p:txEl>
+                                          </p:spTgt>
+                                        </p:tgtEl>
+                                        <p:attrNameLst>
+                                          <p:attrName>style.visibility</p:attrName>
+                                        </p:attrNameLst>
+                                      </p:cBhvr>
+                                      <p:to>
+                                        <p:strVal val="visible"/>
+                                      </p:to>
+                                    </p:set>
+                                  </p:childTnLst>
+                                </p:cTn>
+                              </p:par>
+                            </p:childTnLst>
+                          </p:cTn>
+                        </p:par>
+                      </p:childTnLst>
+                    </p:cTn>
+                  </p:par>
+                  <p:par>
+                    <p:cTn id="7" fill="hold">
+                      <p:stCondLst>
+                        <p:cond delay="indefinite"/>
+                      </p:stCondLst>
+                      <p:childTnLst>
+                        <p:par>
+                          <p:cTn id="8" fill="hold">
+                            <p:stCondLst>
+                              <p:cond delay="0"/>
+                            </p:stCondLst>
+                            <p:childTnLst>
+                              <p:par>
+                                <p:cTn id="9" presetID="1" presetClass="entr" presetSubtype="0" fill="hold" nodeType="clickEffect">
+                                  <p:stCondLst>
+                                    <p:cond delay="0"/>
+                                  </p:stCondLst>
+                                  <p:childTnLst>
+                                    <p:set>
+                                      <p:cBhvr>
+                                        <p:cTn id="10" dur="1" fill="hold">
+                                          <p:stCondLst>
+                                            <p:cond delay="0"/>
+                                          </p:stCondLst>
+                                        </p:cTn>
+                                        <p:tgtEl>
+                                          <p:spTgt spid="192">
+                                            <p:txEl>
+                                              <p:pRg st="2" end="2"/>
+                                            </p:txEl>
+                                          </p:spTgt>
+                                        </p:tgtEl>
+                                        <p:attrNameLst>
+                                          <p:attrName>style.visibility</p:attrName>
+                                        </p:attrNameLst>
+                                      </p:cBhvr>
+                                      <p:to>
+                                        <p:strVal val="visible"/>
+                                      </p:to>
+                                    </p:set>
+                                  </p:childTnLst>
+                                </p:cTn>
+                              </p:par>
+                            </p:childTnLst>
+                          </p:cTn>
+                        </p:par>
+                      </p:childTnLst>
+                    </p:cTn>
+                  </p:par>
+                  <p:par>
+                    <p:cTn id="11" fill="hold">
+                      <p:stCondLst>
+                        <p:cond delay="indefinite"/>
+                      </p:stCondLst>
+                      <p:childTnLst>
+                        <p:par>
+                          <p:cTn id="12" fill="hold">
+                            <p:stCondLst>
+                              <p:cond delay="0"/>
+                            </p:stCondLst>
+                            <p:childTnLst>
+                              <p:par>
+                                <p:cTn id="13" presetID="1" presetClass="entr" presetSubtype="0" fill="hold" nodeType="clickEffect">
+                                  <p:stCondLst>
+                                    <p:cond delay="0"/>
+                                  </p:stCondLst>
+                                  <p:childTnLst>
+                                    <p:set>
+                                      <p:cBhvr>
+                                        <p:cTn id="14" dur="1" fill="hold">
+                                          <p:stCondLst>
+                                            <p:cond delay="0"/>
+                                          </p:stCondLst>
+                                        </p:cTn>
+                                        <p:tgtEl>
+                                          <p:spTgt spid="192">
+                                            <p:txEl>
+                                              <p:pRg st="4" end="4"/>
+                                            </p:txEl>
+                                          </p:spTgt>
+                                        </p:tgtEl>
+                                        <p:attrNameLst>
+                                          <p:attrName>style.visibility</p:attrName>
+                                        </p:attrNameLst>
+                                      </p:cBhvr>
+                                      <p:to>
+                                        <p:strVal val="visible"/>
+                                      </p:to>
+                                    </p:set>
+                                  </p:childTnLst>
+                                </p:cTn>
+                              </p:par>
+                            </p:childTnLst>
+                          </p:cTn>
+                        </p:par>
+                      </p:childTnLst>
+                    </p:cTn>
+                  </p:par>
+                  <p:par>
+                    <p:cTn id="15" fill="hold">
+                      <p:stCondLst>
+                        <p:cond delay="indefinite"/>
+                      </p:stCondLst>
+                      <p:childTnLst>
+                        <p:par>
+                          <p:cTn id="16" fill="hold">
+                            <p:stCondLst>
+                              <p:cond delay="0"/>
+                            </p:stCondLst>
+                            <p:childTnLst>
+                              <p:par>
+                                <p:cTn id="17" presetID="1" presetClass="entr" presetSubtype="0" fill="hold" nodeType="clickEffect">
+                                  <p:stCondLst>
+                                    <p:cond delay="0"/>
+                                  </p:stCondLst>
+                                  <p:childTnLst>
+                                    <p:set>
+                                      <p:cBhvr>
+                                        <p:cTn id="18" dur="1" fill="hold">
+                                          <p:stCondLst>
+                                            <p:cond delay="0"/>
+                                          </p:stCondLst>
+                                        </p:cTn>
+                                        <p:tgtEl>
+                                          <p:spTgt spid="192">
+                                            <p:txEl>
+                                              <p:pRg st="6" end="6"/>
+                                            </p:txEl>
+                                          </p:spTgt>
+                                        </p:tgtEl>
+                                        <p:attrNameLst>
+                                          <p:attrName>style.visibility</p:attrName>
+                                        </p:attrNameLst>
+                                      </p:cBhvr>
+                                      <p:to>
+                                        <p:strVal val="visible"/>
+                                      </p:to>
+                                    </p:set>
+                                  </p:childTnLst>
+                                </p:cTn>
+                              </p:par>
+                            </p:childTnLst>
+                          </p:cTn>
+                        </p:par>
+                      </p:childTnLst>
+                    </p:cTn>
+                  </p:par>
+                </p:childTnLst>
+              </p:cTn>
+              <p:prevCondLst>
+                <p:cond evt="onPrev" delay="0">
+                  <p:tgtEl>
+                    <p:sldTgt/>
+                  </p:tgtEl>
+                </p:cond>
+              </p:prevCondLst>
+              <p:nextCondLst>
+                <p:cond evt="onNext" delay="0">
+                  <p:tgtEl>
+                    <p:sldTgt/>
+                  </p:tgtEl>
+                </p:cond>
+              </p:nextCondLst>
+            </p:seq>
+          </p:childTnLst>
+        </p:cTn>
+      </p:par>
+    </p:tnLst>
+  </p:timing>
 </p:sld>
 </file>
 
